--- a/doc/object-relational-impedance-mismatch-solved.pptx
+++ b/doc/object-relational-impedance-mismatch-solved.pptx
@@ -2,19 +2,29 @@
 <file path=ppt/presentation.xml><?xml version="1.0" encoding="utf-8"?>
 <p:presentation xmlns:a="http://schemas.openxmlformats.org/drawingml/2006/main" xmlns:r="http://schemas.openxmlformats.org/officeDocument/2006/relationships" xmlns:p="http://schemas.openxmlformats.org/presentationml/2006/main" saveSubsetFonts="1" autoCompressPictures="0">
   <p:sldMasterIdLst>
-    <p:sldMasterId id="2147483648" r:id="rId1"/>
+    <p:sldMasterId id="2147483672" r:id="rId1"/>
   </p:sldMasterIdLst>
   <p:notesMasterIdLst>
-    <p:notesMasterId r:id="rId9"/>
+    <p:notesMasterId r:id="rId19"/>
   </p:notesMasterIdLst>
   <p:sldIdLst>
     <p:sldId id="256" r:id="rId2"/>
     <p:sldId id="259" r:id="rId3"/>
     <p:sldId id="262" r:id="rId4"/>
-    <p:sldId id="258" r:id="rId5"/>
-    <p:sldId id="260" r:id="rId6"/>
-    <p:sldId id="257" r:id="rId7"/>
-    <p:sldId id="261" r:id="rId8"/>
+    <p:sldId id="270" r:id="rId5"/>
+    <p:sldId id="269" r:id="rId6"/>
+    <p:sldId id="264" r:id="rId7"/>
+    <p:sldId id="263" r:id="rId8"/>
+    <p:sldId id="265" r:id="rId9"/>
+    <p:sldId id="266" r:id="rId10"/>
+    <p:sldId id="267" r:id="rId11"/>
+    <p:sldId id="258" r:id="rId12"/>
+    <p:sldId id="260" r:id="rId13"/>
+    <p:sldId id="257" r:id="rId14"/>
+    <p:sldId id="261" r:id="rId15"/>
+    <p:sldId id="272" r:id="rId16"/>
+    <p:sldId id="268" r:id="rId17"/>
+    <p:sldId id="271" r:id="rId18"/>
   </p:sldIdLst>
   <p:sldSz cx="12192000" cy="6858000"/>
   <p:notesSz cx="6858000" cy="9144000"/>
@@ -113,6 +123,11 @@
       </a:defRPr>
     </a:lvl9pPr>
   </p:defaultTextStyle>
+  <p:extLst>
+    <p:ext uri="{EFAFB233-063F-42B5-8137-9DF3F51BA10A}">
+      <p15:sldGuideLst xmlns:p15="http://schemas.microsoft.com/office/powerpoint/2012/main"/>
+    </p:ext>
+  </p:extLst>
 </p:presentation>
 </file>
 
@@ -198,7 +213,7 @@
           <a:p>
             <a:fld id="{BA3FAFC5-12F4-D745-936C-631CF87CB3C5}" type="datetimeFigureOut">
               <a:rPr lang="en-US" smtClean="0"/>
-              <a:t>4/21/18</a:t>
+              <a:t>4/24/18</a:t>
             </a:fld>
             <a:endParaRPr lang="en-US"/>
           </a:p>
@@ -262,38 +277,37 @@
           <a:p>
             <a:pPr lvl="0"/>
             <a:r>
-              <a:rPr lang="en-US" smtClean="0"/>
+              <a:rPr lang="en-US"/>
               <a:t>Click to edit Master text styles</a:t>
             </a:r>
           </a:p>
           <a:p>
             <a:pPr lvl="1"/>
             <a:r>
-              <a:rPr lang="en-US" smtClean="0"/>
+              <a:rPr lang="en-US"/>
               <a:t>Second level</a:t>
             </a:r>
           </a:p>
           <a:p>
             <a:pPr lvl="2"/>
             <a:r>
-              <a:rPr lang="en-US" smtClean="0"/>
+              <a:rPr lang="en-US"/>
               <a:t>Third level</a:t>
             </a:r>
           </a:p>
           <a:p>
             <a:pPr lvl="3"/>
             <a:r>
-              <a:rPr lang="en-US" smtClean="0"/>
+              <a:rPr lang="en-US"/>
               <a:t>Fourth level</a:t>
             </a:r>
           </a:p>
           <a:p>
             <a:pPr lvl="4"/>
             <a:r>
-              <a:rPr lang="en-US" smtClean="0"/>
+              <a:rPr lang="en-US"/>
               <a:t>Fifth level</a:t>
             </a:r>
-            <a:endParaRPr lang="en-US"/>
           </a:p>
         </p:txBody>
       </p:sp>
@@ -466,6 +480,462 @@
 </p:notesMaster>
 </file>
 
+<file path=ppt/notesSlides/notesSlide1.xml><?xml version="1.0" encoding="utf-8"?>
+<p:notes xmlns:a="http://schemas.openxmlformats.org/drawingml/2006/main" xmlns:r="http://schemas.openxmlformats.org/officeDocument/2006/relationships" xmlns:p="http://schemas.openxmlformats.org/presentationml/2006/main">
+  <p:cSld>
+    <p:spTree>
+      <p:nvGrpSpPr>
+        <p:cNvPr id="1" name=""/>
+        <p:cNvGrpSpPr/>
+        <p:nvPr/>
+      </p:nvGrpSpPr>
+      <p:grpSpPr>
+        <a:xfrm>
+          <a:off x="0" y="0"/>
+          <a:ext cx="0" cy="0"/>
+          <a:chOff x="0" y="0"/>
+          <a:chExt cx="0" cy="0"/>
+        </a:xfrm>
+      </p:grpSpPr>
+      <p:sp>
+        <p:nvSpPr>
+          <p:cNvPr id="2" name="Slide Image Placeholder 1"/>
+          <p:cNvSpPr>
+            <a:spLocks noGrp="1" noRot="1" noChangeAspect="1"/>
+          </p:cNvSpPr>
+          <p:nvPr>
+            <p:ph type="sldImg"/>
+          </p:nvPr>
+        </p:nvSpPr>
+        <p:spPr/>
+      </p:sp>
+      <p:sp>
+        <p:nvSpPr>
+          <p:cNvPr id="3" name="Notes Placeholder 2"/>
+          <p:cNvSpPr>
+            <a:spLocks noGrp="1"/>
+          </p:cNvSpPr>
+          <p:nvPr>
+            <p:ph type="body" idx="1"/>
+          </p:nvPr>
+        </p:nvSpPr>
+        <p:spPr/>
+        <p:txBody>
+          <a:bodyPr/>
+          <a:lstStyle/>
+          <a:p>
+            <a:pPr marL="285750" indent="-285750">
+              <a:buFont typeface="Arial" panose="020B0604020202020204" pitchFamily="34" charset="0"/>
+              <a:buChar char="•"/>
+            </a:pPr>
+            <a:r>
+              <a:rPr lang="fi-FI" dirty="0" err="1"/>
+              <a:t>Off</a:t>
+            </a:r>
+            <a:r>
+              <a:rPr lang="fi-FI" dirty="0"/>
+              <a:t> </a:t>
+            </a:r>
+            <a:r>
+              <a:rPr lang="fi-FI" dirty="0" err="1"/>
+              <a:t>memory</a:t>
+            </a:r>
+            <a:r>
+              <a:rPr lang="fi-FI" dirty="0"/>
+              <a:t> </a:t>
+            </a:r>
+            <a:r>
+              <a:rPr lang="fi-FI" dirty="0" err="1"/>
+              <a:t>indexes</a:t>
+            </a:r>
+            <a:r>
+              <a:rPr lang="fi-FI" dirty="0"/>
+              <a:t> </a:t>
+            </a:r>
+            <a:r>
+              <a:rPr lang="fi-FI" dirty="0" err="1"/>
+              <a:t>are</a:t>
+            </a:r>
+            <a:r>
+              <a:rPr lang="fi-FI" dirty="0"/>
+              <a:t> </a:t>
+            </a:r>
+            <a:r>
+              <a:rPr lang="fi-FI" dirty="0" err="1"/>
+              <a:t>updated</a:t>
+            </a:r>
+            <a:r>
+              <a:rPr lang="fi-FI" dirty="0"/>
+              <a:t> </a:t>
+            </a:r>
+            <a:r>
+              <a:rPr lang="fi-FI" dirty="0" err="1"/>
+              <a:t>only</a:t>
+            </a:r>
+            <a:r>
+              <a:rPr lang="fi-FI" dirty="0"/>
+              <a:t> </a:t>
+            </a:r>
+            <a:r>
+              <a:rPr lang="fi-FI" dirty="0" err="1"/>
+              <a:t>periodically</a:t>
+            </a:r>
+            <a:endParaRPr lang="fi-FI" dirty="0"/>
+          </a:p>
+          <a:p>
+            <a:pPr marL="285750" indent="-285750">
+              <a:buFont typeface="Arial" panose="020B0604020202020204" pitchFamily="34" charset="0"/>
+              <a:buChar char="•"/>
+            </a:pPr>
+            <a:r>
+              <a:rPr lang="fi-FI" dirty="0"/>
+              <a:t>In </a:t>
+            </a:r>
+            <a:r>
+              <a:rPr lang="fi-FI" dirty="0" err="1"/>
+              <a:t>memory</a:t>
+            </a:r>
+            <a:r>
+              <a:rPr lang="fi-FI" dirty="0"/>
+              <a:t> </a:t>
+            </a:r>
+            <a:r>
+              <a:rPr lang="fi-FI" dirty="0" err="1"/>
+              <a:t>indexes</a:t>
+            </a:r>
+            <a:r>
+              <a:rPr lang="fi-FI" dirty="0"/>
+              <a:t> </a:t>
+            </a:r>
+            <a:r>
+              <a:rPr lang="fi-FI" dirty="0" err="1"/>
+              <a:t>contain</a:t>
+            </a:r>
+            <a:r>
+              <a:rPr lang="fi-FI" dirty="0"/>
+              <a:t> </a:t>
+            </a:r>
+            <a:r>
+              <a:rPr lang="fi-FI" dirty="0" err="1"/>
+              <a:t>datoms</a:t>
+            </a:r>
+            <a:r>
+              <a:rPr lang="fi-FI" dirty="0"/>
+              <a:t> </a:t>
+            </a:r>
+            <a:r>
+              <a:rPr lang="fi-FI" dirty="0" err="1"/>
+              <a:t>that</a:t>
+            </a:r>
+            <a:r>
+              <a:rPr lang="fi-FI" dirty="0"/>
+              <a:t> </a:t>
+            </a:r>
+            <a:r>
+              <a:rPr lang="fi-FI" dirty="0" err="1"/>
+              <a:t>are</a:t>
+            </a:r>
+            <a:r>
+              <a:rPr lang="fi-FI" dirty="0"/>
+              <a:t> </a:t>
+            </a:r>
+            <a:r>
+              <a:rPr lang="fi-FI" dirty="0" err="1"/>
+              <a:t>not</a:t>
+            </a:r>
+            <a:r>
+              <a:rPr lang="fi-FI" dirty="0"/>
+              <a:t> </a:t>
+            </a:r>
+            <a:r>
+              <a:rPr lang="fi-FI" dirty="0" err="1"/>
+              <a:t>stored</a:t>
+            </a:r>
+            <a:r>
+              <a:rPr lang="fi-FI" dirty="0"/>
+              <a:t> </a:t>
+            </a:r>
+            <a:r>
+              <a:rPr lang="fi-FI" dirty="0" err="1"/>
+              <a:t>off</a:t>
+            </a:r>
+            <a:r>
+              <a:rPr lang="fi-FI" dirty="0"/>
+              <a:t> </a:t>
+            </a:r>
+            <a:r>
+              <a:rPr lang="fi-FI" dirty="0" err="1"/>
+              <a:t>memory</a:t>
+            </a:r>
+            <a:endParaRPr lang="fi-FI" dirty="0"/>
+          </a:p>
+          <a:p>
+            <a:pPr marL="285750" indent="-285750">
+              <a:buFont typeface="Arial" panose="020B0604020202020204" pitchFamily="34" charset="0"/>
+              <a:buChar char="•"/>
+            </a:pPr>
+            <a:r>
+              <a:rPr lang="fi-FI" dirty="0"/>
+              <a:t>New </a:t>
+            </a:r>
+            <a:r>
+              <a:rPr lang="fi-FI" dirty="0" err="1"/>
+              <a:t>off</a:t>
+            </a:r>
+            <a:r>
+              <a:rPr lang="fi-FI" dirty="0"/>
+              <a:t> </a:t>
+            </a:r>
+            <a:r>
+              <a:rPr lang="fi-FI" dirty="0" err="1"/>
+              <a:t>memory</a:t>
+            </a:r>
+            <a:r>
+              <a:rPr lang="fi-FI" dirty="0"/>
+              <a:t> </a:t>
+            </a:r>
+            <a:r>
+              <a:rPr lang="fi-FI" dirty="0" err="1"/>
+              <a:t>index</a:t>
+            </a:r>
+            <a:r>
+              <a:rPr lang="fi-FI" dirty="0"/>
+              <a:t> </a:t>
+            </a:r>
+            <a:r>
+              <a:rPr lang="fi-FI" dirty="0" err="1"/>
+              <a:t>versions</a:t>
+            </a:r>
+            <a:r>
+              <a:rPr lang="fi-FI" dirty="0"/>
+              <a:t> </a:t>
+            </a:r>
+            <a:r>
+              <a:rPr lang="fi-FI" dirty="0" err="1"/>
+              <a:t>share</a:t>
+            </a:r>
+            <a:r>
+              <a:rPr lang="fi-FI" dirty="0"/>
+              <a:t> </a:t>
+            </a:r>
+            <a:r>
+              <a:rPr lang="fi-FI" dirty="0" err="1"/>
+              <a:t>most</a:t>
+            </a:r>
+            <a:r>
+              <a:rPr lang="fi-FI" dirty="0"/>
+              <a:t> of </a:t>
+            </a:r>
+            <a:r>
+              <a:rPr lang="fi-FI" dirty="0" err="1"/>
+              <a:t>the</a:t>
+            </a:r>
+            <a:r>
+              <a:rPr lang="fi-FI" dirty="0"/>
+              <a:t> b-</a:t>
+            </a:r>
+            <a:r>
+              <a:rPr lang="fi-FI" dirty="0" err="1"/>
+              <a:t>tree</a:t>
+            </a:r>
+            <a:r>
+              <a:rPr lang="fi-FI" dirty="0"/>
+              <a:t> </a:t>
+            </a:r>
+            <a:r>
+              <a:rPr lang="fi-FI" dirty="0" err="1"/>
+              <a:t>nodes</a:t>
+            </a:r>
+            <a:r>
+              <a:rPr lang="fi-FI" dirty="0"/>
+              <a:t> </a:t>
+            </a:r>
+            <a:r>
+              <a:rPr lang="fi-FI" dirty="0" err="1"/>
+              <a:t>with</a:t>
+            </a:r>
+            <a:r>
+              <a:rPr lang="fi-FI" dirty="0"/>
+              <a:t> </a:t>
+            </a:r>
+            <a:r>
+              <a:rPr lang="fi-FI" dirty="0" err="1"/>
+              <a:t>the</a:t>
+            </a:r>
+            <a:r>
+              <a:rPr lang="fi-FI" dirty="0"/>
+              <a:t> </a:t>
+            </a:r>
+            <a:r>
+              <a:rPr lang="fi-FI" dirty="0" err="1"/>
+              <a:t>previous</a:t>
+            </a:r>
+            <a:r>
+              <a:rPr lang="fi-FI" dirty="0"/>
+              <a:t> </a:t>
+            </a:r>
+            <a:r>
+              <a:rPr lang="fi-FI" dirty="0" err="1"/>
+              <a:t>versions</a:t>
+            </a:r>
+            <a:endParaRPr lang="fi-FI" dirty="0"/>
+          </a:p>
+          <a:p>
+            <a:pPr marL="285750" indent="-285750">
+              <a:buFont typeface="Arial" panose="020B0604020202020204" pitchFamily="34" charset="0"/>
+              <a:buChar char="•"/>
+            </a:pPr>
+            <a:r>
+              <a:rPr lang="fi-FI" dirty="0" err="1"/>
+              <a:t>Clients</a:t>
+            </a:r>
+            <a:r>
+              <a:rPr lang="fi-FI" dirty="0"/>
+              <a:t>/</a:t>
+            </a:r>
+            <a:r>
+              <a:rPr lang="fi-FI" dirty="0" err="1"/>
+              <a:t>peers</a:t>
+            </a:r>
+            <a:r>
+              <a:rPr lang="fi-FI" dirty="0"/>
+              <a:t> </a:t>
+            </a:r>
+            <a:r>
+              <a:rPr lang="fi-FI" dirty="0" err="1"/>
+              <a:t>maintain</a:t>
+            </a:r>
+            <a:r>
+              <a:rPr lang="fi-FI" dirty="0"/>
+              <a:t> </a:t>
+            </a:r>
+            <a:r>
+              <a:rPr lang="fi-FI" dirty="0" err="1"/>
+              <a:t>their</a:t>
+            </a:r>
+            <a:r>
+              <a:rPr lang="fi-FI" dirty="0"/>
+              <a:t> </a:t>
+            </a:r>
+            <a:r>
+              <a:rPr lang="fi-FI" dirty="0" err="1"/>
+              <a:t>own</a:t>
+            </a:r>
+            <a:r>
+              <a:rPr lang="fi-FI" dirty="0"/>
+              <a:t> in </a:t>
+            </a:r>
+            <a:r>
+              <a:rPr lang="fi-FI" dirty="0" err="1"/>
+              <a:t>memory</a:t>
+            </a:r>
+            <a:r>
+              <a:rPr lang="fi-FI" dirty="0"/>
+              <a:t> </a:t>
+            </a:r>
+            <a:r>
+              <a:rPr lang="fi-FI" dirty="0" err="1"/>
+              <a:t>indexes</a:t>
+            </a:r>
+            <a:r>
+              <a:rPr lang="fi-FI" dirty="0"/>
+              <a:t> </a:t>
+            </a:r>
+            <a:r>
+              <a:rPr lang="fi-FI" dirty="0" err="1"/>
+              <a:t>until</a:t>
+            </a:r>
+            <a:r>
+              <a:rPr lang="fi-FI" dirty="0"/>
+              <a:t> a </a:t>
+            </a:r>
+            <a:r>
+              <a:rPr lang="fi-FI" dirty="0" err="1"/>
+              <a:t>new</a:t>
+            </a:r>
+            <a:r>
+              <a:rPr lang="fi-FI" dirty="0"/>
+              <a:t> </a:t>
+            </a:r>
+            <a:r>
+              <a:rPr lang="fi-FI" dirty="0" err="1"/>
+              <a:t>off</a:t>
+            </a:r>
+            <a:r>
+              <a:rPr lang="fi-FI" dirty="0"/>
+              <a:t> </a:t>
+            </a:r>
+            <a:r>
+              <a:rPr lang="fi-FI" dirty="0" err="1"/>
+              <a:t>memory</a:t>
+            </a:r>
+            <a:r>
+              <a:rPr lang="fi-FI" dirty="0"/>
+              <a:t> </a:t>
+            </a:r>
+            <a:r>
+              <a:rPr lang="fi-FI" dirty="0" err="1"/>
+              <a:t>indexes</a:t>
+            </a:r>
+            <a:r>
+              <a:rPr lang="fi-FI" dirty="0"/>
+              <a:t> </a:t>
+            </a:r>
+            <a:r>
+              <a:rPr lang="fi-FI" dirty="0" err="1"/>
+              <a:t>are</a:t>
+            </a:r>
+            <a:r>
+              <a:rPr lang="fi-FI" dirty="0"/>
+              <a:t> </a:t>
+            </a:r>
+            <a:r>
+              <a:rPr lang="fi-FI" dirty="0" err="1"/>
+              <a:t>created</a:t>
+            </a:r>
+            <a:endParaRPr lang="fi-FI" dirty="0"/>
+          </a:p>
+          <a:p>
+            <a:endParaRPr lang="fi-FI" dirty="0"/>
+          </a:p>
+        </p:txBody>
+      </p:sp>
+      <p:sp>
+        <p:nvSpPr>
+          <p:cNvPr id="4" name="Slide Number Placeholder 3"/>
+          <p:cNvSpPr>
+            <a:spLocks noGrp="1"/>
+          </p:cNvSpPr>
+          <p:nvPr>
+            <p:ph type="sldNum" sz="quarter" idx="10"/>
+          </p:nvPr>
+        </p:nvSpPr>
+        <p:spPr/>
+        <p:txBody>
+          <a:bodyPr/>
+          <a:lstStyle/>
+          <a:p>
+            <a:fld id="{FD34EB5C-4ACE-B64D-BBE7-E838F49D6A54}" type="slidenum">
+              <a:rPr lang="en-US" smtClean="0"/>
+              <a:t>15</a:t>
+            </a:fld>
+            <a:endParaRPr lang="en-US"/>
+          </a:p>
+        </p:txBody>
+      </p:sp>
+    </p:spTree>
+    <p:extLst>
+      <p:ext uri="{BB962C8B-B14F-4D97-AF65-F5344CB8AC3E}">
+        <p14:creationId xmlns:p14="http://schemas.microsoft.com/office/powerpoint/2010/main" val="1619964451"/>
+      </p:ext>
+    </p:extLst>
+  </p:cSld>
+  <p:clrMapOvr>
+    <a:masterClrMapping/>
+  </p:clrMapOvr>
+</p:notes>
+</file>
+
 <file path=ppt/slideLayouts/slideLayout1.xml><?xml version="1.0" encoding="utf-8"?>
 <p:sldLayout xmlns:a="http://schemas.openxmlformats.org/drawingml/2006/main" xmlns:r="http://schemas.openxmlformats.org/officeDocument/2006/relationships" xmlns:p="http://schemas.openxmlformats.org/presentationml/2006/main" type="title" preserve="1">
   <p:cSld name="Title Slide">
@@ -485,7 +955,13 @@
       </p:grpSpPr>
       <p:sp>
         <p:nvSpPr>
-          <p:cNvPr id="2" name="Title 1"/>
+          <p:cNvPr id="2" name="Title 1">
+            <a:extLst>
+              <a:ext uri="{FF2B5EF4-FFF2-40B4-BE49-F238E27FC236}">
+                <a16:creationId xmlns:a16="http://schemas.microsoft.com/office/drawing/2014/main" id="{6F9F1055-9C60-F342-A63F-016E8D3DA84F}"/>
+              </a:ext>
+            </a:extLst>
+          </p:cNvPr>
           <p:cNvSpPr>
             <a:spLocks noGrp="1"/>
           </p:cNvSpPr>
@@ -508,16 +984,22 @@
           </a:lstStyle>
           <a:p>
             <a:r>
-              <a:rPr lang="en-US" smtClean="0"/>
+              <a:rPr lang="en-US"/>
               <a:t>Click to edit Master title style</a:t>
             </a:r>
-            <a:endParaRPr lang="en-US"/>
-          </a:p>
-        </p:txBody>
-      </p:sp>
-      <p:sp>
-        <p:nvSpPr>
-          <p:cNvPr id="3" name="Subtitle 2"/>
+            <a:endParaRPr lang="fi-FI"/>
+          </a:p>
+        </p:txBody>
+      </p:sp>
+      <p:sp>
+        <p:nvSpPr>
+          <p:cNvPr id="3" name="Subtitle 2">
+            <a:extLst>
+              <a:ext uri="{FF2B5EF4-FFF2-40B4-BE49-F238E27FC236}">
+                <a16:creationId xmlns:a16="http://schemas.microsoft.com/office/drawing/2014/main" id="{F8E61E76-B028-7B4A-8A20-EFFC464AC45F}"/>
+              </a:ext>
+            </a:extLst>
+          </p:cNvPr>
           <p:cNvSpPr>
             <a:spLocks noGrp="1"/>
           </p:cNvSpPr>
@@ -573,16 +1055,22 @@
           </a:lstStyle>
           <a:p>
             <a:r>
-              <a:rPr lang="en-US" smtClean="0"/>
+              <a:rPr lang="en-US"/>
               <a:t>Click to edit Master subtitle style</a:t>
             </a:r>
-            <a:endParaRPr lang="en-US"/>
-          </a:p>
-        </p:txBody>
-      </p:sp>
-      <p:sp>
-        <p:nvSpPr>
-          <p:cNvPr id="4" name="Date Placeholder 3"/>
+            <a:endParaRPr lang="fi-FI"/>
+          </a:p>
+        </p:txBody>
+      </p:sp>
+      <p:sp>
+        <p:nvSpPr>
+          <p:cNvPr id="4" name="Date Placeholder 3">
+            <a:extLst>
+              <a:ext uri="{FF2B5EF4-FFF2-40B4-BE49-F238E27FC236}">
+                <a16:creationId xmlns:a16="http://schemas.microsoft.com/office/drawing/2014/main" id="{5A88223F-134D-D14B-9656-FE8EBD86816F}"/>
+              </a:ext>
+            </a:extLst>
+          </p:cNvPr>
           <p:cNvSpPr>
             <a:spLocks noGrp="1"/>
           </p:cNvSpPr>
@@ -597,7 +1085,7 @@
           <a:p>
             <a:fld id="{DF34B84E-A93A-7243-B010-F878AC8582F7}" type="datetimeFigureOut">
               <a:rPr lang="en-US" smtClean="0"/>
-              <a:t>4/21/18</a:t>
+              <a:t>4/24/18</a:t>
             </a:fld>
             <a:endParaRPr lang="en-US"/>
           </a:p>
@@ -605,7 +1093,13 @@
       </p:sp>
       <p:sp>
         <p:nvSpPr>
-          <p:cNvPr id="5" name="Footer Placeholder 4"/>
+          <p:cNvPr id="5" name="Footer Placeholder 4">
+            <a:extLst>
+              <a:ext uri="{FF2B5EF4-FFF2-40B4-BE49-F238E27FC236}">
+                <a16:creationId xmlns:a16="http://schemas.microsoft.com/office/drawing/2014/main" id="{2BECD4E6-A9FD-7C40-AA71-D30E7A50E4D5}"/>
+              </a:ext>
+            </a:extLst>
+          </p:cNvPr>
           <p:cNvSpPr>
             <a:spLocks noGrp="1"/>
           </p:cNvSpPr>
@@ -624,7 +1118,13 @@
       </p:sp>
       <p:sp>
         <p:nvSpPr>
-          <p:cNvPr id="6" name="Slide Number Placeholder 5"/>
+          <p:cNvPr id="6" name="Slide Number Placeholder 5">
+            <a:extLst>
+              <a:ext uri="{FF2B5EF4-FFF2-40B4-BE49-F238E27FC236}">
+                <a16:creationId xmlns:a16="http://schemas.microsoft.com/office/drawing/2014/main" id="{331F48C9-8A27-654C-AC7F-D7AE2D0DCB39}"/>
+              </a:ext>
+            </a:extLst>
+          </p:cNvPr>
           <p:cNvSpPr>
             <a:spLocks noGrp="1"/>
           </p:cNvSpPr>
@@ -648,7 +1148,7 @@
     </p:spTree>
     <p:extLst>
       <p:ext uri="{BB962C8B-B14F-4D97-AF65-F5344CB8AC3E}">
-        <p14:creationId xmlns:p14="http://schemas.microsoft.com/office/powerpoint/2010/main" val="523162317"/>
+        <p14:creationId xmlns:p14="http://schemas.microsoft.com/office/powerpoint/2010/main" val="2662839898"/>
       </p:ext>
     </p:extLst>
   </p:cSld>
@@ -677,7 +1177,13 @@
       </p:grpSpPr>
       <p:sp>
         <p:nvSpPr>
-          <p:cNvPr id="2" name="Title 1"/>
+          <p:cNvPr id="2" name="Title 1">
+            <a:extLst>
+              <a:ext uri="{FF2B5EF4-FFF2-40B4-BE49-F238E27FC236}">
+                <a16:creationId xmlns:a16="http://schemas.microsoft.com/office/drawing/2014/main" id="{1A1876BE-C095-F341-9C22-16BF78AD68F8}"/>
+              </a:ext>
+            </a:extLst>
+          </p:cNvPr>
           <p:cNvSpPr>
             <a:spLocks noGrp="1"/>
           </p:cNvSpPr>
@@ -691,16 +1197,22 @@
           <a:lstStyle/>
           <a:p>
             <a:r>
-              <a:rPr lang="en-US" smtClean="0"/>
+              <a:rPr lang="en-US"/>
               <a:t>Click to edit Master title style</a:t>
             </a:r>
-            <a:endParaRPr lang="en-US"/>
-          </a:p>
-        </p:txBody>
-      </p:sp>
-      <p:sp>
-        <p:nvSpPr>
-          <p:cNvPr id="3" name="Vertical Text Placeholder 2"/>
+            <a:endParaRPr lang="fi-FI"/>
+          </a:p>
+        </p:txBody>
+      </p:sp>
+      <p:sp>
+        <p:nvSpPr>
+          <p:cNvPr id="3" name="Vertical Text Placeholder 2">
+            <a:extLst>
+              <a:ext uri="{FF2B5EF4-FFF2-40B4-BE49-F238E27FC236}">
+                <a16:creationId xmlns:a16="http://schemas.microsoft.com/office/drawing/2014/main" id="{6E6D0E69-02F7-2D48-9BE9-8F8213AB7ACA}"/>
+              </a:ext>
+            </a:extLst>
+          </p:cNvPr>
           <p:cNvSpPr>
             <a:spLocks noGrp="1"/>
           </p:cNvSpPr>
@@ -715,44 +1227,50 @@
           <a:p>
             <a:pPr lvl="0"/>
             <a:r>
-              <a:rPr lang="en-US" smtClean="0"/>
-              <a:t>Click to edit Master text styles</a:t>
+              <a:rPr lang="en-US"/>
+              <a:t>Edit Master text styles</a:t>
             </a:r>
           </a:p>
           <a:p>
             <a:pPr lvl="1"/>
             <a:r>
-              <a:rPr lang="en-US" smtClean="0"/>
+              <a:rPr lang="en-US"/>
               <a:t>Second level</a:t>
             </a:r>
           </a:p>
           <a:p>
             <a:pPr lvl="2"/>
             <a:r>
-              <a:rPr lang="en-US" smtClean="0"/>
+              <a:rPr lang="en-US"/>
               <a:t>Third level</a:t>
             </a:r>
           </a:p>
           <a:p>
             <a:pPr lvl="3"/>
             <a:r>
-              <a:rPr lang="en-US" smtClean="0"/>
+              <a:rPr lang="en-US"/>
               <a:t>Fourth level</a:t>
             </a:r>
           </a:p>
           <a:p>
             <a:pPr lvl="4"/>
             <a:r>
-              <a:rPr lang="en-US" smtClean="0"/>
+              <a:rPr lang="en-US"/>
               <a:t>Fifth level</a:t>
             </a:r>
-            <a:endParaRPr lang="en-US"/>
-          </a:p>
-        </p:txBody>
-      </p:sp>
-      <p:sp>
-        <p:nvSpPr>
-          <p:cNvPr id="4" name="Date Placeholder 3"/>
+            <a:endParaRPr lang="fi-FI"/>
+          </a:p>
+        </p:txBody>
+      </p:sp>
+      <p:sp>
+        <p:nvSpPr>
+          <p:cNvPr id="4" name="Date Placeholder 3">
+            <a:extLst>
+              <a:ext uri="{FF2B5EF4-FFF2-40B4-BE49-F238E27FC236}">
+                <a16:creationId xmlns:a16="http://schemas.microsoft.com/office/drawing/2014/main" id="{312FEEC1-562E-6F43-9709-82BF668BF7EE}"/>
+              </a:ext>
+            </a:extLst>
+          </p:cNvPr>
           <p:cNvSpPr>
             <a:spLocks noGrp="1"/>
           </p:cNvSpPr>
@@ -767,7 +1285,7 @@
           <a:p>
             <a:fld id="{DF34B84E-A93A-7243-B010-F878AC8582F7}" type="datetimeFigureOut">
               <a:rPr lang="en-US" smtClean="0"/>
-              <a:t>4/21/18</a:t>
+              <a:t>4/24/18</a:t>
             </a:fld>
             <a:endParaRPr lang="en-US"/>
           </a:p>
@@ -775,7 +1293,13 @@
       </p:sp>
       <p:sp>
         <p:nvSpPr>
-          <p:cNvPr id="5" name="Footer Placeholder 4"/>
+          <p:cNvPr id="5" name="Footer Placeholder 4">
+            <a:extLst>
+              <a:ext uri="{FF2B5EF4-FFF2-40B4-BE49-F238E27FC236}">
+                <a16:creationId xmlns:a16="http://schemas.microsoft.com/office/drawing/2014/main" id="{1AC3A6B9-30B7-8F41-914D-8E0C31192081}"/>
+              </a:ext>
+            </a:extLst>
+          </p:cNvPr>
           <p:cNvSpPr>
             <a:spLocks noGrp="1"/>
           </p:cNvSpPr>
@@ -794,7 +1318,13 @@
       </p:sp>
       <p:sp>
         <p:nvSpPr>
-          <p:cNvPr id="6" name="Slide Number Placeholder 5"/>
+          <p:cNvPr id="6" name="Slide Number Placeholder 5">
+            <a:extLst>
+              <a:ext uri="{FF2B5EF4-FFF2-40B4-BE49-F238E27FC236}">
+                <a16:creationId xmlns:a16="http://schemas.microsoft.com/office/drawing/2014/main" id="{D1D8106C-C4FD-F944-BCA5-6E0133C0AC52}"/>
+              </a:ext>
+            </a:extLst>
+          </p:cNvPr>
           <p:cNvSpPr>
             <a:spLocks noGrp="1"/>
           </p:cNvSpPr>
@@ -818,7 +1348,7 @@
     </p:spTree>
     <p:extLst>
       <p:ext uri="{BB962C8B-B14F-4D97-AF65-F5344CB8AC3E}">
-        <p14:creationId xmlns:p14="http://schemas.microsoft.com/office/powerpoint/2010/main" val="1304068784"/>
+        <p14:creationId xmlns:p14="http://schemas.microsoft.com/office/powerpoint/2010/main" val="980554758"/>
       </p:ext>
     </p:extLst>
   </p:cSld>
@@ -847,7 +1377,13 @@
       </p:grpSpPr>
       <p:sp>
         <p:nvSpPr>
-          <p:cNvPr id="2" name="Vertical Title 1"/>
+          <p:cNvPr id="2" name="Vertical Title 1">
+            <a:extLst>
+              <a:ext uri="{FF2B5EF4-FFF2-40B4-BE49-F238E27FC236}">
+                <a16:creationId xmlns:a16="http://schemas.microsoft.com/office/drawing/2014/main" id="{3988A5AE-4B74-904D-A88D-67FF482C543C}"/>
+              </a:ext>
+            </a:extLst>
+          </p:cNvPr>
           <p:cNvSpPr>
             <a:spLocks noGrp="1"/>
           </p:cNvSpPr>
@@ -866,16 +1402,22 @@
           <a:lstStyle/>
           <a:p>
             <a:r>
-              <a:rPr lang="en-US" smtClean="0"/>
+              <a:rPr lang="en-US"/>
               <a:t>Click to edit Master title style</a:t>
             </a:r>
-            <a:endParaRPr lang="en-US"/>
-          </a:p>
-        </p:txBody>
-      </p:sp>
-      <p:sp>
-        <p:nvSpPr>
-          <p:cNvPr id="3" name="Vertical Text Placeholder 2"/>
+            <a:endParaRPr lang="fi-FI"/>
+          </a:p>
+        </p:txBody>
+      </p:sp>
+      <p:sp>
+        <p:nvSpPr>
+          <p:cNvPr id="3" name="Vertical Text Placeholder 2">
+            <a:extLst>
+              <a:ext uri="{FF2B5EF4-FFF2-40B4-BE49-F238E27FC236}">
+                <a16:creationId xmlns:a16="http://schemas.microsoft.com/office/drawing/2014/main" id="{C216B502-DE76-5A4F-8F5D-9DA9B6EEE905}"/>
+              </a:ext>
+            </a:extLst>
+          </p:cNvPr>
           <p:cNvSpPr>
             <a:spLocks noGrp="1"/>
           </p:cNvSpPr>
@@ -895,44 +1437,50 @@
           <a:p>
             <a:pPr lvl="0"/>
             <a:r>
-              <a:rPr lang="en-US" smtClean="0"/>
-              <a:t>Click to edit Master text styles</a:t>
+              <a:rPr lang="en-US"/>
+              <a:t>Edit Master text styles</a:t>
             </a:r>
           </a:p>
           <a:p>
             <a:pPr lvl="1"/>
             <a:r>
-              <a:rPr lang="en-US" smtClean="0"/>
+              <a:rPr lang="en-US"/>
               <a:t>Second level</a:t>
             </a:r>
           </a:p>
           <a:p>
             <a:pPr lvl="2"/>
             <a:r>
-              <a:rPr lang="en-US" smtClean="0"/>
+              <a:rPr lang="en-US"/>
               <a:t>Third level</a:t>
             </a:r>
           </a:p>
           <a:p>
             <a:pPr lvl="3"/>
             <a:r>
-              <a:rPr lang="en-US" smtClean="0"/>
+              <a:rPr lang="en-US"/>
               <a:t>Fourth level</a:t>
             </a:r>
           </a:p>
           <a:p>
             <a:pPr lvl="4"/>
             <a:r>
-              <a:rPr lang="en-US" smtClean="0"/>
+              <a:rPr lang="en-US"/>
               <a:t>Fifth level</a:t>
             </a:r>
-            <a:endParaRPr lang="en-US"/>
-          </a:p>
-        </p:txBody>
-      </p:sp>
-      <p:sp>
-        <p:nvSpPr>
-          <p:cNvPr id="4" name="Date Placeholder 3"/>
+            <a:endParaRPr lang="fi-FI"/>
+          </a:p>
+        </p:txBody>
+      </p:sp>
+      <p:sp>
+        <p:nvSpPr>
+          <p:cNvPr id="4" name="Date Placeholder 3">
+            <a:extLst>
+              <a:ext uri="{FF2B5EF4-FFF2-40B4-BE49-F238E27FC236}">
+                <a16:creationId xmlns:a16="http://schemas.microsoft.com/office/drawing/2014/main" id="{5293C801-3080-8048-9ED1-4E76E5446F77}"/>
+              </a:ext>
+            </a:extLst>
+          </p:cNvPr>
           <p:cNvSpPr>
             <a:spLocks noGrp="1"/>
           </p:cNvSpPr>
@@ -947,7 +1495,7 @@
           <a:p>
             <a:fld id="{DF34B84E-A93A-7243-B010-F878AC8582F7}" type="datetimeFigureOut">
               <a:rPr lang="en-US" smtClean="0"/>
-              <a:t>4/21/18</a:t>
+              <a:t>4/24/18</a:t>
             </a:fld>
             <a:endParaRPr lang="en-US"/>
           </a:p>
@@ -955,7 +1503,13 @@
       </p:sp>
       <p:sp>
         <p:nvSpPr>
-          <p:cNvPr id="5" name="Footer Placeholder 4"/>
+          <p:cNvPr id="5" name="Footer Placeholder 4">
+            <a:extLst>
+              <a:ext uri="{FF2B5EF4-FFF2-40B4-BE49-F238E27FC236}">
+                <a16:creationId xmlns:a16="http://schemas.microsoft.com/office/drawing/2014/main" id="{134052CC-3537-7849-AF9A-367FED438B18}"/>
+              </a:ext>
+            </a:extLst>
+          </p:cNvPr>
           <p:cNvSpPr>
             <a:spLocks noGrp="1"/>
           </p:cNvSpPr>
@@ -974,7 +1528,13 @@
       </p:sp>
       <p:sp>
         <p:nvSpPr>
-          <p:cNvPr id="6" name="Slide Number Placeholder 5"/>
+          <p:cNvPr id="6" name="Slide Number Placeholder 5">
+            <a:extLst>
+              <a:ext uri="{FF2B5EF4-FFF2-40B4-BE49-F238E27FC236}">
+                <a16:creationId xmlns:a16="http://schemas.microsoft.com/office/drawing/2014/main" id="{4D5576AF-CAE9-1544-88D6-A5D94D386267}"/>
+              </a:ext>
+            </a:extLst>
+          </p:cNvPr>
           <p:cNvSpPr>
             <a:spLocks noGrp="1"/>
           </p:cNvSpPr>
@@ -998,7 +1558,7 @@
     </p:spTree>
     <p:extLst>
       <p:ext uri="{BB962C8B-B14F-4D97-AF65-F5344CB8AC3E}">
-        <p14:creationId xmlns:p14="http://schemas.microsoft.com/office/powerpoint/2010/main" val="265951406"/>
+        <p14:creationId xmlns:p14="http://schemas.microsoft.com/office/powerpoint/2010/main" val="155068563"/>
       </p:ext>
     </p:extLst>
   </p:cSld>
@@ -1027,7 +1587,13 @@
       </p:grpSpPr>
       <p:sp>
         <p:nvSpPr>
-          <p:cNvPr id="2" name="Title 1"/>
+          <p:cNvPr id="2" name="Title 1">
+            <a:extLst>
+              <a:ext uri="{FF2B5EF4-FFF2-40B4-BE49-F238E27FC236}">
+                <a16:creationId xmlns:a16="http://schemas.microsoft.com/office/drawing/2014/main" id="{A0C43ACF-9352-514B-BB28-D9FB3F61ACF6}"/>
+              </a:ext>
+            </a:extLst>
+          </p:cNvPr>
           <p:cNvSpPr>
             <a:spLocks noGrp="1"/>
           </p:cNvSpPr>
@@ -1041,16 +1607,22 @@
           <a:lstStyle/>
           <a:p>
             <a:r>
-              <a:rPr lang="en-US" smtClean="0"/>
+              <a:rPr lang="en-US"/>
               <a:t>Click to edit Master title style</a:t>
             </a:r>
-            <a:endParaRPr lang="en-US"/>
-          </a:p>
-        </p:txBody>
-      </p:sp>
-      <p:sp>
-        <p:nvSpPr>
-          <p:cNvPr id="3" name="Content Placeholder 2"/>
+            <a:endParaRPr lang="fi-FI"/>
+          </a:p>
+        </p:txBody>
+      </p:sp>
+      <p:sp>
+        <p:nvSpPr>
+          <p:cNvPr id="3" name="Content Placeholder 2">
+            <a:extLst>
+              <a:ext uri="{FF2B5EF4-FFF2-40B4-BE49-F238E27FC236}">
+                <a16:creationId xmlns:a16="http://schemas.microsoft.com/office/drawing/2014/main" id="{9DA30B07-F687-264B-BA3D-9B7F1ED32C92}"/>
+              </a:ext>
+            </a:extLst>
+          </p:cNvPr>
           <p:cNvSpPr>
             <a:spLocks noGrp="1"/>
           </p:cNvSpPr>
@@ -1065,44 +1637,50 @@
           <a:p>
             <a:pPr lvl="0"/>
             <a:r>
-              <a:rPr lang="en-US" smtClean="0"/>
-              <a:t>Click to edit Master text styles</a:t>
+              <a:rPr lang="en-US"/>
+              <a:t>Edit Master text styles</a:t>
             </a:r>
           </a:p>
           <a:p>
             <a:pPr lvl="1"/>
             <a:r>
-              <a:rPr lang="en-US" smtClean="0"/>
+              <a:rPr lang="en-US"/>
               <a:t>Second level</a:t>
             </a:r>
           </a:p>
           <a:p>
             <a:pPr lvl="2"/>
             <a:r>
-              <a:rPr lang="en-US" smtClean="0"/>
+              <a:rPr lang="en-US"/>
               <a:t>Third level</a:t>
             </a:r>
           </a:p>
           <a:p>
             <a:pPr lvl="3"/>
             <a:r>
-              <a:rPr lang="en-US" smtClean="0"/>
+              <a:rPr lang="en-US"/>
               <a:t>Fourth level</a:t>
             </a:r>
           </a:p>
           <a:p>
             <a:pPr lvl="4"/>
             <a:r>
-              <a:rPr lang="en-US" smtClean="0"/>
+              <a:rPr lang="en-US"/>
               <a:t>Fifth level</a:t>
             </a:r>
-            <a:endParaRPr lang="en-US"/>
-          </a:p>
-        </p:txBody>
-      </p:sp>
-      <p:sp>
-        <p:nvSpPr>
-          <p:cNvPr id="4" name="Date Placeholder 3"/>
+            <a:endParaRPr lang="fi-FI"/>
+          </a:p>
+        </p:txBody>
+      </p:sp>
+      <p:sp>
+        <p:nvSpPr>
+          <p:cNvPr id="4" name="Date Placeholder 3">
+            <a:extLst>
+              <a:ext uri="{FF2B5EF4-FFF2-40B4-BE49-F238E27FC236}">
+                <a16:creationId xmlns:a16="http://schemas.microsoft.com/office/drawing/2014/main" id="{FF90E97A-877B-6442-A9CF-73B75F75E5E2}"/>
+              </a:ext>
+            </a:extLst>
+          </p:cNvPr>
           <p:cNvSpPr>
             <a:spLocks noGrp="1"/>
           </p:cNvSpPr>
@@ -1117,7 +1695,7 @@
           <a:p>
             <a:fld id="{DF34B84E-A93A-7243-B010-F878AC8582F7}" type="datetimeFigureOut">
               <a:rPr lang="en-US" smtClean="0"/>
-              <a:t>4/21/18</a:t>
+              <a:t>4/24/18</a:t>
             </a:fld>
             <a:endParaRPr lang="en-US"/>
           </a:p>
@@ -1125,7 +1703,13 @@
       </p:sp>
       <p:sp>
         <p:nvSpPr>
-          <p:cNvPr id="5" name="Footer Placeholder 4"/>
+          <p:cNvPr id="5" name="Footer Placeholder 4">
+            <a:extLst>
+              <a:ext uri="{FF2B5EF4-FFF2-40B4-BE49-F238E27FC236}">
+                <a16:creationId xmlns:a16="http://schemas.microsoft.com/office/drawing/2014/main" id="{C965159E-36E9-B346-81B9-E2F55F554A04}"/>
+              </a:ext>
+            </a:extLst>
+          </p:cNvPr>
           <p:cNvSpPr>
             <a:spLocks noGrp="1"/>
           </p:cNvSpPr>
@@ -1144,7 +1728,13 @@
       </p:sp>
       <p:sp>
         <p:nvSpPr>
-          <p:cNvPr id="6" name="Slide Number Placeholder 5"/>
+          <p:cNvPr id="6" name="Slide Number Placeholder 5">
+            <a:extLst>
+              <a:ext uri="{FF2B5EF4-FFF2-40B4-BE49-F238E27FC236}">
+                <a16:creationId xmlns:a16="http://schemas.microsoft.com/office/drawing/2014/main" id="{4A8A6439-6F53-F94D-A73F-8BDD9996BD6B}"/>
+              </a:ext>
+            </a:extLst>
+          </p:cNvPr>
           <p:cNvSpPr>
             <a:spLocks noGrp="1"/>
           </p:cNvSpPr>
@@ -1168,7 +1758,7 @@
     </p:spTree>
     <p:extLst>
       <p:ext uri="{BB962C8B-B14F-4D97-AF65-F5344CB8AC3E}">
-        <p14:creationId xmlns:p14="http://schemas.microsoft.com/office/powerpoint/2010/main" val="991011001"/>
+        <p14:creationId xmlns:p14="http://schemas.microsoft.com/office/powerpoint/2010/main" val="4221461697"/>
       </p:ext>
     </p:extLst>
   </p:cSld>
@@ -1197,7 +1787,13 @@
       </p:grpSpPr>
       <p:sp>
         <p:nvSpPr>
-          <p:cNvPr id="2" name="Title 1"/>
+          <p:cNvPr id="2" name="Title 1">
+            <a:extLst>
+              <a:ext uri="{FF2B5EF4-FFF2-40B4-BE49-F238E27FC236}">
+                <a16:creationId xmlns:a16="http://schemas.microsoft.com/office/drawing/2014/main" id="{E39A7E6C-83C3-5E4C-9ACB-92A4E707FC55}"/>
+              </a:ext>
+            </a:extLst>
+          </p:cNvPr>
           <p:cNvSpPr>
             <a:spLocks noGrp="1"/>
           </p:cNvSpPr>
@@ -1220,16 +1816,22 @@
           </a:lstStyle>
           <a:p>
             <a:r>
-              <a:rPr lang="en-US" smtClean="0"/>
+              <a:rPr lang="en-US"/>
               <a:t>Click to edit Master title style</a:t>
             </a:r>
-            <a:endParaRPr lang="en-US"/>
-          </a:p>
-        </p:txBody>
-      </p:sp>
-      <p:sp>
-        <p:nvSpPr>
-          <p:cNvPr id="3" name="Text Placeholder 2"/>
+            <a:endParaRPr lang="fi-FI"/>
+          </a:p>
+        </p:txBody>
+      </p:sp>
+      <p:sp>
+        <p:nvSpPr>
+          <p:cNvPr id="3" name="Text Placeholder 2">
+            <a:extLst>
+              <a:ext uri="{FF2B5EF4-FFF2-40B4-BE49-F238E27FC236}">
+                <a16:creationId xmlns:a16="http://schemas.microsoft.com/office/drawing/2014/main" id="{F8D3F2EA-8B47-3649-A2E4-FF990A9773AE}"/>
+              </a:ext>
+            </a:extLst>
+          </p:cNvPr>
           <p:cNvSpPr>
             <a:spLocks noGrp="1"/>
           </p:cNvSpPr>
@@ -1340,15 +1942,21 @@
           <a:p>
             <a:pPr lvl="0"/>
             <a:r>
-              <a:rPr lang="en-US" smtClean="0"/>
-              <a:t>Click to edit Master text styles</a:t>
-            </a:r>
-          </a:p>
-        </p:txBody>
-      </p:sp>
-      <p:sp>
-        <p:nvSpPr>
-          <p:cNvPr id="4" name="Date Placeholder 3"/>
+              <a:rPr lang="en-US"/>
+              <a:t>Edit Master text styles</a:t>
+            </a:r>
+          </a:p>
+        </p:txBody>
+      </p:sp>
+      <p:sp>
+        <p:nvSpPr>
+          <p:cNvPr id="4" name="Date Placeholder 3">
+            <a:extLst>
+              <a:ext uri="{FF2B5EF4-FFF2-40B4-BE49-F238E27FC236}">
+                <a16:creationId xmlns:a16="http://schemas.microsoft.com/office/drawing/2014/main" id="{570D0427-0E63-7A4A-A578-08F81C8C63AC}"/>
+              </a:ext>
+            </a:extLst>
+          </p:cNvPr>
           <p:cNvSpPr>
             <a:spLocks noGrp="1"/>
           </p:cNvSpPr>
@@ -1363,7 +1971,7 @@
           <a:p>
             <a:fld id="{DF34B84E-A93A-7243-B010-F878AC8582F7}" type="datetimeFigureOut">
               <a:rPr lang="en-US" smtClean="0"/>
-              <a:t>4/21/18</a:t>
+              <a:t>4/24/18</a:t>
             </a:fld>
             <a:endParaRPr lang="en-US"/>
           </a:p>
@@ -1371,7 +1979,13 @@
       </p:sp>
       <p:sp>
         <p:nvSpPr>
-          <p:cNvPr id="5" name="Footer Placeholder 4"/>
+          <p:cNvPr id="5" name="Footer Placeholder 4">
+            <a:extLst>
+              <a:ext uri="{FF2B5EF4-FFF2-40B4-BE49-F238E27FC236}">
+                <a16:creationId xmlns:a16="http://schemas.microsoft.com/office/drawing/2014/main" id="{4E81C038-D115-A04C-9650-BE5C306D0F75}"/>
+              </a:ext>
+            </a:extLst>
+          </p:cNvPr>
           <p:cNvSpPr>
             <a:spLocks noGrp="1"/>
           </p:cNvSpPr>
@@ -1390,7 +2004,13 @@
       </p:sp>
       <p:sp>
         <p:nvSpPr>
-          <p:cNvPr id="6" name="Slide Number Placeholder 5"/>
+          <p:cNvPr id="6" name="Slide Number Placeholder 5">
+            <a:extLst>
+              <a:ext uri="{FF2B5EF4-FFF2-40B4-BE49-F238E27FC236}">
+                <a16:creationId xmlns:a16="http://schemas.microsoft.com/office/drawing/2014/main" id="{177FE95A-F049-874D-AE77-A67F88DEF55A}"/>
+              </a:ext>
+            </a:extLst>
+          </p:cNvPr>
           <p:cNvSpPr>
             <a:spLocks noGrp="1"/>
           </p:cNvSpPr>
@@ -1414,7 +2034,7 @@
     </p:spTree>
     <p:extLst>
       <p:ext uri="{BB962C8B-B14F-4D97-AF65-F5344CB8AC3E}">
-        <p14:creationId xmlns:p14="http://schemas.microsoft.com/office/powerpoint/2010/main" val="38727675"/>
+        <p14:creationId xmlns:p14="http://schemas.microsoft.com/office/powerpoint/2010/main" val="258329536"/>
       </p:ext>
     </p:extLst>
   </p:cSld>
@@ -1443,7 +2063,13 @@
       </p:grpSpPr>
       <p:sp>
         <p:nvSpPr>
-          <p:cNvPr id="2" name="Title 1"/>
+          <p:cNvPr id="2" name="Title 1">
+            <a:extLst>
+              <a:ext uri="{FF2B5EF4-FFF2-40B4-BE49-F238E27FC236}">
+                <a16:creationId xmlns:a16="http://schemas.microsoft.com/office/drawing/2014/main" id="{01A13949-0962-064C-84B8-EBB8E03E5AF0}"/>
+              </a:ext>
+            </a:extLst>
+          </p:cNvPr>
           <p:cNvSpPr>
             <a:spLocks noGrp="1"/>
           </p:cNvSpPr>
@@ -1457,16 +2083,22 @@
           <a:lstStyle/>
           <a:p>
             <a:r>
-              <a:rPr lang="en-US" smtClean="0"/>
+              <a:rPr lang="en-US"/>
               <a:t>Click to edit Master title style</a:t>
             </a:r>
-            <a:endParaRPr lang="en-US"/>
-          </a:p>
-        </p:txBody>
-      </p:sp>
-      <p:sp>
-        <p:nvSpPr>
-          <p:cNvPr id="3" name="Content Placeholder 2"/>
+            <a:endParaRPr lang="fi-FI"/>
+          </a:p>
+        </p:txBody>
+      </p:sp>
+      <p:sp>
+        <p:nvSpPr>
+          <p:cNvPr id="3" name="Content Placeholder 2">
+            <a:extLst>
+              <a:ext uri="{FF2B5EF4-FFF2-40B4-BE49-F238E27FC236}">
+                <a16:creationId xmlns:a16="http://schemas.microsoft.com/office/drawing/2014/main" id="{D207CF46-F8C3-A947-9298-05FC9AA3CD7B}"/>
+              </a:ext>
+            </a:extLst>
+          </p:cNvPr>
           <p:cNvSpPr>
             <a:spLocks noGrp="1"/>
           </p:cNvSpPr>
@@ -1486,44 +2118,50 @@
           <a:p>
             <a:pPr lvl="0"/>
             <a:r>
-              <a:rPr lang="en-US" smtClean="0"/>
-              <a:t>Click to edit Master text styles</a:t>
+              <a:rPr lang="en-US"/>
+              <a:t>Edit Master text styles</a:t>
             </a:r>
           </a:p>
           <a:p>
             <a:pPr lvl="1"/>
             <a:r>
-              <a:rPr lang="en-US" smtClean="0"/>
+              <a:rPr lang="en-US"/>
               <a:t>Second level</a:t>
             </a:r>
           </a:p>
           <a:p>
             <a:pPr lvl="2"/>
             <a:r>
-              <a:rPr lang="en-US" smtClean="0"/>
+              <a:rPr lang="en-US"/>
               <a:t>Third level</a:t>
             </a:r>
           </a:p>
           <a:p>
             <a:pPr lvl="3"/>
             <a:r>
-              <a:rPr lang="en-US" smtClean="0"/>
+              <a:rPr lang="en-US"/>
               <a:t>Fourth level</a:t>
             </a:r>
           </a:p>
           <a:p>
             <a:pPr lvl="4"/>
             <a:r>
-              <a:rPr lang="en-US" smtClean="0"/>
+              <a:rPr lang="en-US"/>
               <a:t>Fifth level</a:t>
             </a:r>
-            <a:endParaRPr lang="en-US"/>
-          </a:p>
-        </p:txBody>
-      </p:sp>
-      <p:sp>
-        <p:nvSpPr>
-          <p:cNvPr id="4" name="Content Placeholder 3"/>
+            <a:endParaRPr lang="fi-FI"/>
+          </a:p>
+        </p:txBody>
+      </p:sp>
+      <p:sp>
+        <p:nvSpPr>
+          <p:cNvPr id="4" name="Content Placeholder 3">
+            <a:extLst>
+              <a:ext uri="{FF2B5EF4-FFF2-40B4-BE49-F238E27FC236}">
+                <a16:creationId xmlns:a16="http://schemas.microsoft.com/office/drawing/2014/main" id="{16439C14-E88D-BC49-A51F-6120C5FE177A}"/>
+              </a:ext>
+            </a:extLst>
+          </p:cNvPr>
           <p:cNvSpPr>
             <a:spLocks noGrp="1"/>
           </p:cNvSpPr>
@@ -1543,44 +2181,50 @@
           <a:p>
             <a:pPr lvl="0"/>
             <a:r>
-              <a:rPr lang="en-US" smtClean="0"/>
-              <a:t>Click to edit Master text styles</a:t>
+              <a:rPr lang="en-US"/>
+              <a:t>Edit Master text styles</a:t>
             </a:r>
           </a:p>
           <a:p>
             <a:pPr lvl="1"/>
             <a:r>
-              <a:rPr lang="en-US" smtClean="0"/>
+              <a:rPr lang="en-US"/>
               <a:t>Second level</a:t>
             </a:r>
           </a:p>
           <a:p>
             <a:pPr lvl="2"/>
             <a:r>
-              <a:rPr lang="en-US" smtClean="0"/>
+              <a:rPr lang="en-US"/>
               <a:t>Third level</a:t>
             </a:r>
           </a:p>
           <a:p>
             <a:pPr lvl="3"/>
             <a:r>
-              <a:rPr lang="en-US" smtClean="0"/>
+              <a:rPr lang="en-US"/>
               <a:t>Fourth level</a:t>
             </a:r>
           </a:p>
           <a:p>
             <a:pPr lvl="4"/>
             <a:r>
-              <a:rPr lang="en-US" smtClean="0"/>
+              <a:rPr lang="en-US"/>
               <a:t>Fifth level</a:t>
             </a:r>
-            <a:endParaRPr lang="en-US"/>
-          </a:p>
-        </p:txBody>
-      </p:sp>
-      <p:sp>
-        <p:nvSpPr>
-          <p:cNvPr id="5" name="Date Placeholder 4"/>
+            <a:endParaRPr lang="fi-FI"/>
+          </a:p>
+        </p:txBody>
+      </p:sp>
+      <p:sp>
+        <p:nvSpPr>
+          <p:cNvPr id="5" name="Date Placeholder 4">
+            <a:extLst>
+              <a:ext uri="{FF2B5EF4-FFF2-40B4-BE49-F238E27FC236}">
+                <a16:creationId xmlns:a16="http://schemas.microsoft.com/office/drawing/2014/main" id="{7B29A146-9F39-6D44-BE66-663E8A73F12D}"/>
+              </a:ext>
+            </a:extLst>
+          </p:cNvPr>
           <p:cNvSpPr>
             <a:spLocks noGrp="1"/>
           </p:cNvSpPr>
@@ -1595,7 +2239,7 @@
           <a:p>
             <a:fld id="{DF34B84E-A93A-7243-B010-F878AC8582F7}" type="datetimeFigureOut">
               <a:rPr lang="en-US" smtClean="0"/>
-              <a:t>4/21/18</a:t>
+              <a:t>4/24/18</a:t>
             </a:fld>
             <a:endParaRPr lang="en-US"/>
           </a:p>
@@ -1603,7 +2247,13 @@
       </p:sp>
       <p:sp>
         <p:nvSpPr>
-          <p:cNvPr id="6" name="Footer Placeholder 5"/>
+          <p:cNvPr id="6" name="Footer Placeholder 5">
+            <a:extLst>
+              <a:ext uri="{FF2B5EF4-FFF2-40B4-BE49-F238E27FC236}">
+                <a16:creationId xmlns:a16="http://schemas.microsoft.com/office/drawing/2014/main" id="{AC7C02C8-C281-B142-AF69-75A62DCF0DF9}"/>
+              </a:ext>
+            </a:extLst>
+          </p:cNvPr>
           <p:cNvSpPr>
             <a:spLocks noGrp="1"/>
           </p:cNvSpPr>
@@ -1622,7 +2272,13 @@
       </p:sp>
       <p:sp>
         <p:nvSpPr>
-          <p:cNvPr id="7" name="Slide Number Placeholder 6"/>
+          <p:cNvPr id="7" name="Slide Number Placeholder 6">
+            <a:extLst>
+              <a:ext uri="{FF2B5EF4-FFF2-40B4-BE49-F238E27FC236}">
+                <a16:creationId xmlns:a16="http://schemas.microsoft.com/office/drawing/2014/main" id="{E4866463-8ED1-9845-A178-E0CC27040005}"/>
+              </a:ext>
+            </a:extLst>
+          </p:cNvPr>
           <p:cNvSpPr>
             <a:spLocks noGrp="1"/>
           </p:cNvSpPr>
@@ -1646,7 +2302,7 @@
     </p:spTree>
     <p:extLst>
       <p:ext uri="{BB962C8B-B14F-4D97-AF65-F5344CB8AC3E}">
-        <p14:creationId xmlns:p14="http://schemas.microsoft.com/office/powerpoint/2010/main" val="208488684"/>
+        <p14:creationId xmlns:p14="http://schemas.microsoft.com/office/powerpoint/2010/main" val="2832236357"/>
       </p:ext>
     </p:extLst>
   </p:cSld>
@@ -1675,7 +2331,13 @@
       </p:grpSpPr>
       <p:sp>
         <p:nvSpPr>
-          <p:cNvPr id="2" name="Title 1"/>
+          <p:cNvPr id="2" name="Title 1">
+            <a:extLst>
+              <a:ext uri="{FF2B5EF4-FFF2-40B4-BE49-F238E27FC236}">
+                <a16:creationId xmlns:a16="http://schemas.microsoft.com/office/drawing/2014/main" id="{74B33242-A800-2744-9E8C-2A5E8CAE5345}"/>
+              </a:ext>
+            </a:extLst>
+          </p:cNvPr>
           <p:cNvSpPr>
             <a:spLocks noGrp="1"/>
           </p:cNvSpPr>
@@ -1694,16 +2356,22 @@
           <a:lstStyle/>
           <a:p>
             <a:r>
-              <a:rPr lang="en-US" smtClean="0"/>
+              <a:rPr lang="en-US"/>
               <a:t>Click to edit Master title style</a:t>
             </a:r>
-            <a:endParaRPr lang="en-US"/>
-          </a:p>
-        </p:txBody>
-      </p:sp>
-      <p:sp>
-        <p:nvSpPr>
-          <p:cNvPr id="3" name="Text Placeholder 2"/>
+            <a:endParaRPr lang="fi-FI"/>
+          </a:p>
+        </p:txBody>
+      </p:sp>
+      <p:sp>
+        <p:nvSpPr>
+          <p:cNvPr id="3" name="Text Placeholder 2">
+            <a:extLst>
+              <a:ext uri="{FF2B5EF4-FFF2-40B4-BE49-F238E27FC236}">
+                <a16:creationId xmlns:a16="http://schemas.microsoft.com/office/drawing/2014/main" id="{547C5698-29F2-3F46-9213-DF4997D39B48}"/>
+              </a:ext>
+            </a:extLst>
+          </p:cNvPr>
           <p:cNvSpPr>
             <a:spLocks noGrp="1"/>
           </p:cNvSpPr>
@@ -1760,15 +2428,21 @@
           <a:p>
             <a:pPr lvl="0"/>
             <a:r>
-              <a:rPr lang="en-US" smtClean="0"/>
-              <a:t>Click to edit Master text styles</a:t>
-            </a:r>
-          </a:p>
-        </p:txBody>
-      </p:sp>
-      <p:sp>
-        <p:nvSpPr>
-          <p:cNvPr id="4" name="Content Placeholder 3"/>
+              <a:rPr lang="en-US"/>
+              <a:t>Edit Master text styles</a:t>
+            </a:r>
+          </a:p>
+        </p:txBody>
+      </p:sp>
+      <p:sp>
+        <p:nvSpPr>
+          <p:cNvPr id="4" name="Content Placeholder 3">
+            <a:extLst>
+              <a:ext uri="{FF2B5EF4-FFF2-40B4-BE49-F238E27FC236}">
+                <a16:creationId xmlns:a16="http://schemas.microsoft.com/office/drawing/2014/main" id="{88BA9D70-3CE0-4B43-9671-C99C2360F0B4}"/>
+              </a:ext>
+            </a:extLst>
+          </p:cNvPr>
           <p:cNvSpPr>
             <a:spLocks noGrp="1"/>
           </p:cNvSpPr>
@@ -1788,44 +2462,50 @@
           <a:p>
             <a:pPr lvl="0"/>
             <a:r>
-              <a:rPr lang="en-US" smtClean="0"/>
-              <a:t>Click to edit Master text styles</a:t>
+              <a:rPr lang="en-US"/>
+              <a:t>Edit Master text styles</a:t>
             </a:r>
           </a:p>
           <a:p>
             <a:pPr lvl="1"/>
             <a:r>
-              <a:rPr lang="en-US" smtClean="0"/>
+              <a:rPr lang="en-US"/>
               <a:t>Second level</a:t>
             </a:r>
           </a:p>
           <a:p>
             <a:pPr lvl="2"/>
             <a:r>
-              <a:rPr lang="en-US" smtClean="0"/>
+              <a:rPr lang="en-US"/>
               <a:t>Third level</a:t>
             </a:r>
           </a:p>
           <a:p>
             <a:pPr lvl="3"/>
             <a:r>
-              <a:rPr lang="en-US" smtClean="0"/>
+              <a:rPr lang="en-US"/>
               <a:t>Fourth level</a:t>
             </a:r>
           </a:p>
           <a:p>
             <a:pPr lvl="4"/>
             <a:r>
-              <a:rPr lang="en-US" smtClean="0"/>
+              <a:rPr lang="en-US"/>
               <a:t>Fifth level</a:t>
             </a:r>
-            <a:endParaRPr lang="en-US"/>
-          </a:p>
-        </p:txBody>
-      </p:sp>
-      <p:sp>
-        <p:nvSpPr>
-          <p:cNvPr id="5" name="Text Placeholder 4"/>
+            <a:endParaRPr lang="fi-FI"/>
+          </a:p>
+        </p:txBody>
+      </p:sp>
+      <p:sp>
+        <p:nvSpPr>
+          <p:cNvPr id="5" name="Text Placeholder 4">
+            <a:extLst>
+              <a:ext uri="{FF2B5EF4-FFF2-40B4-BE49-F238E27FC236}">
+                <a16:creationId xmlns:a16="http://schemas.microsoft.com/office/drawing/2014/main" id="{7DBBB5D5-6748-6946-8B0F-32498A534927}"/>
+              </a:ext>
+            </a:extLst>
+          </p:cNvPr>
           <p:cNvSpPr>
             <a:spLocks noGrp="1"/>
           </p:cNvSpPr>
@@ -1882,15 +2562,21 @@
           <a:p>
             <a:pPr lvl="0"/>
             <a:r>
-              <a:rPr lang="en-US" smtClean="0"/>
-              <a:t>Click to edit Master text styles</a:t>
-            </a:r>
-          </a:p>
-        </p:txBody>
-      </p:sp>
-      <p:sp>
-        <p:nvSpPr>
-          <p:cNvPr id="6" name="Content Placeholder 5"/>
+              <a:rPr lang="en-US"/>
+              <a:t>Edit Master text styles</a:t>
+            </a:r>
+          </a:p>
+        </p:txBody>
+      </p:sp>
+      <p:sp>
+        <p:nvSpPr>
+          <p:cNvPr id="6" name="Content Placeholder 5">
+            <a:extLst>
+              <a:ext uri="{FF2B5EF4-FFF2-40B4-BE49-F238E27FC236}">
+                <a16:creationId xmlns:a16="http://schemas.microsoft.com/office/drawing/2014/main" id="{D12167FA-7152-1947-BDD5-0C0EB7E6F6B8}"/>
+              </a:ext>
+            </a:extLst>
+          </p:cNvPr>
           <p:cNvSpPr>
             <a:spLocks noGrp="1"/>
           </p:cNvSpPr>
@@ -1910,44 +2596,50 @@
           <a:p>
             <a:pPr lvl="0"/>
             <a:r>
-              <a:rPr lang="en-US" smtClean="0"/>
-              <a:t>Click to edit Master text styles</a:t>
+              <a:rPr lang="en-US"/>
+              <a:t>Edit Master text styles</a:t>
             </a:r>
           </a:p>
           <a:p>
             <a:pPr lvl="1"/>
             <a:r>
-              <a:rPr lang="en-US" smtClean="0"/>
+              <a:rPr lang="en-US"/>
               <a:t>Second level</a:t>
             </a:r>
           </a:p>
           <a:p>
             <a:pPr lvl="2"/>
             <a:r>
-              <a:rPr lang="en-US" smtClean="0"/>
+              <a:rPr lang="en-US"/>
               <a:t>Third level</a:t>
             </a:r>
           </a:p>
           <a:p>
             <a:pPr lvl="3"/>
             <a:r>
-              <a:rPr lang="en-US" smtClean="0"/>
+              <a:rPr lang="en-US"/>
               <a:t>Fourth level</a:t>
             </a:r>
           </a:p>
           <a:p>
             <a:pPr lvl="4"/>
             <a:r>
-              <a:rPr lang="en-US" smtClean="0"/>
+              <a:rPr lang="en-US"/>
               <a:t>Fifth level</a:t>
             </a:r>
-            <a:endParaRPr lang="en-US"/>
-          </a:p>
-        </p:txBody>
-      </p:sp>
-      <p:sp>
-        <p:nvSpPr>
-          <p:cNvPr id="7" name="Date Placeholder 6"/>
+            <a:endParaRPr lang="fi-FI"/>
+          </a:p>
+        </p:txBody>
+      </p:sp>
+      <p:sp>
+        <p:nvSpPr>
+          <p:cNvPr id="7" name="Date Placeholder 6">
+            <a:extLst>
+              <a:ext uri="{FF2B5EF4-FFF2-40B4-BE49-F238E27FC236}">
+                <a16:creationId xmlns:a16="http://schemas.microsoft.com/office/drawing/2014/main" id="{DD175B35-F712-FE48-8BC9-38F3C0B79C0B}"/>
+              </a:ext>
+            </a:extLst>
+          </p:cNvPr>
           <p:cNvSpPr>
             <a:spLocks noGrp="1"/>
           </p:cNvSpPr>
@@ -1962,7 +2654,7 @@
           <a:p>
             <a:fld id="{DF34B84E-A93A-7243-B010-F878AC8582F7}" type="datetimeFigureOut">
               <a:rPr lang="en-US" smtClean="0"/>
-              <a:t>4/21/18</a:t>
+              <a:t>4/24/18</a:t>
             </a:fld>
             <a:endParaRPr lang="en-US"/>
           </a:p>
@@ -1970,7 +2662,13 @@
       </p:sp>
       <p:sp>
         <p:nvSpPr>
-          <p:cNvPr id="8" name="Footer Placeholder 7"/>
+          <p:cNvPr id="8" name="Footer Placeholder 7">
+            <a:extLst>
+              <a:ext uri="{FF2B5EF4-FFF2-40B4-BE49-F238E27FC236}">
+                <a16:creationId xmlns:a16="http://schemas.microsoft.com/office/drawing/2014/main" id="{6EF06B6C-21ED-9742-9500-29A525990479}"/>
+              </a:ext>
+            </a:extLst>
+          </p:cNvPr>
           <p:cNvSpPr>
             <a:spLocks noGrp="1"/>
           </p:cNvSpPr>
@@ -1989,7 +2687,13 @@
       </p:sp>
       <p:sp>
         <p:nvSpPr>
-          <p:cNvPr id="9" name="Slide Number Placeholder 8"/>
+          <p:cNvPr id="9" name="Slide Number Placeholder 8">
+            <a:extLst>
+              <a:ext uri="{FF2B5EF4-FFF2-40B4-BE49-F238E27FC236}">
+                <a16:creationId xmlns:a16="http://schemas.microsoft.com/office/drawing/2014/main" id="{5C19C681-D418-CE40-BBB8-9E2BD788A9B5}"/>
+              </a:ext>
+            </a:extLst>
+          </p:cNvPr>
           <p:cNvSpPr>
             <a:spLocks noGrp="1"/>
           </p:cNvSpPr>
@@ -2013,7 +2717,7 @@
     </p:spTree>
     <p:extLst>
       <p:ext uri="{BB962C8B-B14F-4D97-AF65-F5344CB8AC3E}">
-        <p14:creationId xmlns:p14="http://schemas.microsoft.com/office/powerpoint/2010/main" val="1523483731"/>
+        <p14:creationId xmlns:p14="http://schemas.microsoft.com/office/powerpoint/2010/main" val="120133053"/>
       </p:ext>
     </p:extLst>
   </p:cSld>
@@ -2042,7 +2746,13 @@
       </p:grpSpPr>
       <p:sp>
         <p:nvSpPr>
-          <p:cNvPr id="2" name="Title 1"/>
+          <p:cNvPr id="2" name="Title 1">
+            <a:extLst>
+              <a:ext uri="{FF2B5EF4-FFF2-40B4-BE49-F238E27FC236}">
+                <a16:creationId xmlns:a16="http://schemas.microsoft.com/office/drawing/2014/main" id="{8DB618AB-0CB7-F242-A28D-667420814892}"/>
+              </a:ext>
+            </a:extLst>
+          </p:cNvPr>
           <p:cNvSpPr>
             <a:spLocks noGrp="1"/>
           </p:cNvSpPr>
@@ -2056,16 +2766,22 @@
           <a:lstStyle/>
           <a:p>
             <a:r>
-              <a:rPr lang="en-US" smtClean="0"/>
+              <a:rPr lang="en-US"/>
               <a:t>Click to edit Master title style</a:t>
             </a:r>
-            <a:endParaRPr lang="en-US"/>
-          </a:p>
-        </p:txBody>
-      </p:sp>
-      <p:sp>
-        <p:nvSpPr>
-          <p:cNvPr id="3" name="Date Placeholder 2"/>
+            <a:endParaRPr lang="fi-FI"/>
+          </a:p>
+        </p:txBody>
+      </p:sp>
+      <p:sp>
+        <p:nvSpPr>
+          <p:cNvPr id="3" name="Date Placeholder 2">
+            <a:extLst>
+              <a:ext uri="{FF2B5EF4-FFF2-40B4-BE49-F238E27FC236}">
+                <a16:creationId xmlns:a16="http://schemas.microsoft.com/office/drawing/2014/main" id="{7BDE321C-BE6F-E04F-A564-08173A68DFFB}"/>
+              </a:ext>
+            </a:extLst>
+          </p:cNvPr>
           <p:cNvSpPr>
             <a:spLocks noGrp="1"/>
           </p:cNvSpPr>
@@ -2080,7 +2796,7 @@
           <a:p>
             <a:fld id="{DF34B84E-A93A-7243-B010-F878AC8582F7}" type="datetimeFigureOut">
               <a:rPr lang="en-US" smtClean="0"/>
-              <a:t>4/21/18</a:t>
+              <a:t>4/24/18</a:t>
             </a:fld>
             <a:endParaRPr lang="en-US"/>
           </a:p>
@@ -2088,7 +2804,13 @@
       </p:sp>
       <p:sp>
         <p:nvSpPr>
-          <p:cNvPr id="4" name="Footer Placeholder 3"/>
+          <p:cNvPr id="4" name="Footer Placeholder 3">
+            <a:extLst>
+              <a:ext uri="{FF2B5EF4-FFF2-40B4-BE49-F238E27FC236}">
+                <a16:creationId xmlns:a16="http://schemas.microsoft.com/office/drawing/2014/main" id="{88128226-C1F8-0C45-AE7B-34B8C5D2B71E}"/>
+              </a:ext>
+            </a:extLst>
+          </p:cNvPr>
           <p:cNvSpPr>
             <a:spLocks noGrp="1"/>
           </p:cNvSpPr>
@@ -2107,7 +2829,13 @@
       </p:sp>
       <p:sp>
         <p:nvSpPr>
-          <p:cNvPr id="5" name="Slide Number Placeholder 4"/>
+          <p:cNvPr id="5" name="Slide Number Placeholder 4">
+            <a:extLst>
+              <a:ext uri="{FF2B5EF4-FFF2-40B4-BE49-F238E27FC236}">
+                <a16:creationId xmlns:a16="http://schemas.microsoft.com/office/drawing/2014/main" id="{BF2A9203-41D7-AD44-A7DE-DC74699CEF85}"/>
+              </a:ext>
+            </a:extLst>
+          </p:cNvPr>
           <p:cNvSpPr>
             <a:spLocks noGrp="1"/>
           </p:cNvSpPr>
@@ -2131,7 +2859,7 @@
     </p:spTree>
     <p:extLst>
       <p:ext uri="{BB962C8B-B14F-4D97-AF65-F5344CB8AC3E}">
-        <p14:creationId xmlns:p14="http://schemas.microsoft.com/office/powerpoint/2010/main" val="743543736"/>
+        <p14:creationId xmlns:p14="http://schemas.microsoft.com/office/powerpoint/2010/main" val="1942761006"/>
       </p:ext>
     </p:extLst>
   </p:cSld>
@@ -2160,7 +2888,13 @@
       </p:grpSpPr>
       <p:sp>
         <p:nvSpPr>
-          <p:cNvPr id="2" name="Date Placeholder 1"/>
+          <p:cNvPr id="2" name="Date Placeholder 1">
+            <a:extLst>
+              <a:ext uri="{FF2B5EF4-FFF2-40B4-BE49-F238E27FC236}">
+                <a16:creationId xmlns:a16="http://schemas.microsoft.com/office/drawing/2014/main" id="{203D5CC9-1363-544A-995A-7151960A0904}"/>
+              </a:ext>
+            </a:extLst>
+          </p:cNvPr>
           <p:cNvSpPr>
             <a:spLocks noGrp="1"/>
           </p:cNvSpPr>
@@ -2175,7 +2909,7 @@
           <a:p>
             <a:fld id="{DF34B84E-A93A-7243-B010-F878AC8582F7}" type="datetimeFigureOut">
               <a:rPr lang="en-US" smtClean="0"/>
-              <a:t>4/21/18</a:t>
+              <a:t>4/24/18</a:t>
             </a:fld>
             <a:endParaRPr lang="en-US"/>
           </a:p>
@@ -2183,7 +2917,13 @@
       </p:sp>
       <p:sp>
         <p:nvSpPr>
-          <p:cNvPr id="3" name="Footer Placeholder 2"/>
+          <p:cNvPr id="3" name="Footer Placeholder 2">
+            <a:extLst>
+              <a:ext uri="{FF2B5EF4-FFF2-40B4-BE49-F238E27FC236}">
+                <a16:creationId xmlns:a16="http://schemas.microsoft.com/office/drawing/2014/main" id="{B91674BD-0780-F348-8388-A7488F6CC2D5}"/>
+              </a:ext>
+            </a:extLst>
+          </p:cNvPr>
           <p:cNvSpPr>
             <a:spLocks noGrp="1"/>
           </p:cNvSpPr>
@@ -2202,7 +2942,13 @@
       </p:sp>
       <p:sp>
         <p:nvSpPr>
-          <p:cNvPr id="4" name="Slide Number Placeholder 3"/>
+          <p:cNvPr id="4" name="Slide Number Placeholder 3">
+            <a:extLst>
+              <a:ext uri="{FF2B5EF4-FFF2-40B4-BE49-F238E27FC236}">
+                <a16:creationId xmlns:a16="http://schemas.microsoft.com/office/drawing/2014/main" id="{6C09A5DB-8FA0-C545-9483-F8C8B7293F0D}"/>
+              </a:ext>
+            </a:extLst>
+          </p:cNvPr>
           <p:cNvSpPr>
             <a:spLocks noGrp="1"/>
           </p:cNvSpPr>
@@ -2226,7 +2972,7 @@
     </p:spTree>
     <p:extLst>
       <p:ext uri="{BB962C8B-B14F-4D97-AF65-F5344CB8AC3E}">
-        <p14:creationId xmlns:p14="http://schemas.microsoft.com/office/powerpoint/2010/main" val="532229059"/>
+        <p14:creationId xmlns:p14="http://schemas.microsoft.com/office/powerpoint/2010/main" val="3301094301"/>
       </p:ext>
     </p:extLst>
   </p:cSld>
@@ -2255,7 +3001,13 @@
       </p:grpSpPr>
       <p:sp>
         <p:nvSpPr>
-          <p:cNvPr id="2" name="Title 1"/>
+          <p:cNvPr id="2" name="Title 1">
+            <a:extLst>
+              <a:ext uri="{FF2B5EF4-FFF2-40B4-BE49-F238E27FC236}">
+                <a16:creationId xmlns:a16="http://schemas.microsoft.com/office/drawing/2014/main" id="{2A73C9F3-0A35-3D46-9AEE-15EA81961426}"/>
+              </a:ext>
+            </a:extLst>
+          </p:cNvPr>
           <p:cNvSpPr>
             <a:spLocks noGrp="1"/>
           </p:cNvSpPr>
@@ -2278,16 +3030,22 @@
           </a:lstStyle>
           <a:p>
             <a:r>
-              <a:rPr lang="en-US" smtClean="0"/>
+              <a:rPr lang="en-US"/>
               <a:t>Click to edit Master title style</a:t>
             </a:r>
-            <a:endParaRPr lang="en-US"/>
-          </a:p>
-        </p:txBody>
-      </p:sp>
-      <p:sp>
-        <p:nvSpPr>
-          <p:cNvPr id="3" name="Content Placeholder 2"/>
+            <a:endParaRPr lang="fi-FI"/>
+          </a:p>
+        </p:txBody>
+      </p:sp>
+      <p:sp>
+        <p:nvSpPr>
+          <p:cNvPr id="3" name="Content Placeholder 2">
+            <a:extLst>
+              <a:ext uri="{FF2B5EF4-FFF2-40B4-BE49-F238E27FC236}">
+                <a16:creationId xmlns:a16="http://schemas.microsoft.com/office/drawing/2014/main" id="{BCB634FA-B712-9046-AE33-BCE4E1D11F45}"/>
+              </a:ext>
+            </a:extLst>
+          </p:cNvPr>
           <p:cNvSpPr>
             <a:spLocks noGrp="1"/>
           </p:cNvSpPr>
@@ -2335,44 +3093,50 @@
           <a:p>
             <a:pPr lvl="0"/>
             <a:r>
-              <a:rPr lang="en-US" smtClean="0"/>
-              <a:t>Click to edit Master text styles</a:t>
+              <a:rPr lang="en-US"/>
+              <a:t>Edit Master text styles</a:t>
             </a:r>
           </a:p>
           <a:p>
             <a:pPr lvl="1"/>
             <a:r>
-              <a:rPr lang="en-US" smtClean="0"/>
+              <a:rPr lang="en-US"/>
               <a:t>Second level</a:t>
             </a:r>
           </a:p>
           <a:p>
             <a:pPr lvl="2"/>
             <a:r>
-              <a:rPr lang="en-US" smtClean="0"/>
+              <a:rPr lang="en-US"/>
               <a:t>Third level</a:t>
             </a:r>
           </a:p>
           <a:p>
             <a:pPr lvl="3"/>
             <a:r>
-              <a:rPr lang="en-US" smtClean="0"/>
+              <a:rPr lang="en-US"/>
               <a:t>Fourth level</a:t>
             </a:r>
           </a:p>
           <a:p>
             <a:pPr lvl="4"/>
             <a:r>
-              <a:rPr lang="en-US" smtClean="0"/>
+              <a:rPr lang="en-US"/>
               <a:t>Fifth level</a:t>
             </a:r>
-            <a:endParaRPr lang="en-US"/>
-          </a:p>
-        </p:txBody>
-      </p:sp>
-      <p:sp>
-        <p:nvSpPr>
-          <p:cNvPr id="4" name="Text Placeholder 3"/>
+            <a:endParaRPr lang="fi-FI"/>
+          </a:p>
+        </p:txBody>
+      </p:sp>
+      <p:sp>
+        <p:nvSpPr>
+          <p:cNvPr id="4" name="Text Placeholder 3">
+            <a:extLst>
+              <a:ext uri="{FF2B5EF4-FFF2-40B4-BE49-F238E27FC236}">
+                <a16:creationId xmlns:a16="http://schemas.microsoft.com/office/drawing/2014/main" id="{0E19B5CA-DA0A-6543-B6DE-5FDB3A4FC978}"/>
+              </a:ext>
+            </a:extLst>
+          </p:cNvPr>
           <p:cNvSpPr>
             <a:spLocks noGrp="1"/>
           </p:cNvSpPr>
@@ -2429,15 +3193,21 @@
           <a:p>
             <a:pPr lvl="0"/>
             <a:r>
-              <a:rPr lang="en-US" smtClean="0"/>
-              <a:t>Click to edit Master text styles</a:t>
-            </a:r>
-          </a:p>
-        </p:txBody>
-      </p:sp>
-      <p:sp>
-        <p:nvSpPr>
-          <p:cNvPr id="5" name="Date Placeholder 4"/>
+              <a:rPr lang="en-US"/>
+              <a:t>Edit Master text styles</a:t>
+            </a:r>
+          </a:p>
+        </p:txBody>
+      </p:sp>
+      <p:sp>
+        <p:nvSpPr>
+          <p:cNvPr id="5" name="Date Placeholder 4">
+            <a:extLst>
+              <a:ext uri="{FF2B5EF4-FFF2-40B4-BE49-F238E27FC236}">
+                <a16:creationId xmlns:a16="http://schemas.microsoft.com/office/drawing/2014/main" id="{DF98C165-48F2-EE43-98D4-69B5798E24D4}"/>
+              </a:ext>
+            </a:extLst>
+          </p:cNvPr>
           <p:cNvSpPr>
             <a:spLocks noGrp="1"/>
           </p:cNvSpPr>
@@ -2452,7 +3222,7 @@
           <a:p>
             <a:fld id="{DF34B84E-A93A-7243-B010-F878AC8582F7}" type="datetimeFigureOut">
               <a:rPr lang="en-US" smtClean="0"/>
-              <a:t>4/21/18</a:t>
+              <a:t>4/24/18</a:t>
             </a:fld>
             <a:endParaRPr lang="en-US"/>
           </a:p>
@@ -2460,7 +3230,13 @@
       </p:sp>
       <p:sp>
         <p:nvSpPr>
-          <p:cNvPr id="6" name="Footer Placeholder 5"/>
+          <p:cNvPr id="6" name="Footer Placeholder 5">
+            <a:extLst>
+              <a:ext uri="{FF2B5EF4-FFF2-40B4-BE49-F238E27FC236}">
+                <a16:creationId xmlns:a16="http://schemas.microsoft.com/office/drawing/2014/main" id="{E5BE9CFC-DEAC-5941-90A6-B02C7CB7D6B0}"/>
+              </a:ext>
+            </a:extLst>
+          </p:cNvPr>
           <p:cNvSpPr>
             <a:spLocks noGrp="1"/>
           </p:cNvSpPr>
@@ -2479,7 +3255,13 @@
       </p:sp>
       <p:sp>
         <p:nvSpPr>
-          <p:cNvPr id="7" name="Slide Number Placeholder 6"/>
+          <p:cNvPr id="7" name="Slide Number Placeholder 6">
+            <a:extLst>
+              <a:ext uri="{FF2B5EF4-FFF2-40B4-BE49-F238E27FC236}">
+                <a16:creationId xmlns:a16="http://schemas.microsoft.com/office/drawing/2014/main" id="{6E17C1FA-1A90-A34C-807A-100AF54CDB7C}"/>
+              </a:ext>
+            </a:extLst>
+          </p:cNvPr>
           <p:cNvSpPr>
             <a:spLocks noGrp="1"/>
           </p:cNvSpPr>
@@ -2503,7 +3285,7 @@
     </p:spTree>
     <p:extLst>
       <p:ext uri="{BB962C8B-B14F-4D97-AF65-F5344CB8AC3E}">
-        <p14:creationId xmlns:p14="http://schemas.microsoft.com/office/powerpoint/2010/main" val="904404858"/>
+        <p14:creationId xmlns:p14="http://schemas.microsoft.com/office/powerpoint/2010/main" val="3696561199"/>
       </p:ext>
     </p:extLst>
   </p:cSld>
@@ -2532,7 +3314,13 @@
       </p:grpSpPr>
       <p:sp>
         <p:nvSpPr>
-          <p:cNvPr id="2" name="Title 1"/>
+          <p:cNvPr id="2" name="Title 1">
+            <a:extLst>
+              <a:ext uri="{FF2B5EF4-FFF2-40B4-BE49-F238E27FC236}">
+                <a16:creationId xmlns:a16="http://schemas.microsoft.com/office/drawing/2014/main" id="{66B796E6-B52C-B94E-8B8A-BF7E9881DD93}"/>
+              </a:ext>
+            </a:extLst>
+          </p:cNvPr>
           <p:cNvSpPr>
             <a:spLocks noGrp="1"/>
           </p:cNvSpPr>
@@ -2555,16 +3343,22 @@
           </a:lstStyle>
           <a:p>
             <a:r>
-              <a:rPr lang="en-US" smtClean="0"/>
+              <a:rPr lang="en-US"/>
               <a:t>Click to edit Master title style</a:t>
             </a:r>
-            <a:endParaRPr lang="en-US"/>
-          </a:p>
-        </p:txBody>
-      </p:sp>
-      <p:sp>
-        <p:nvSpPr>
-          <p:cNvPr id="3" name="Picture Placeholder 2"/>
+            <a:endParaRPr lang="fi-FI"/>
+          </a:p>
+        </p:txBody>
+      </p:sp>
+      <p:sp>
+        <p:nvSpPr>
+          <p:cNvPr id="3" name="Picture Placeholder 2">
+            <a:extLst>
+              <a:ext uri="{FF2B5EF4-FFF2-40B4-BE49-F238E27FC236}">
+                <a16:creationId xmlns:a16="http://schemas.microsoft.com/office/drawing/2014/main" id="{90507933-C76E-554A-9FD0-2E6B58E2B4F0}"/>
+              </a:ext>
+            </a:extLst>
+          </p:cNvPr>
           <p:cNvSpPr>
             <a:spLocks noGrp="1"/>
           </p:cNvSpPr>
@@ -2619,13 +3413,19 @@
             </a:lvl9pPr>
           </a:lstStyle>
           <a:p>
-            <a:endParaRPr lang="en-US"/>
-          </a:p>
-        </p:txBody>
-      </p:sp>
-      <p:sp>
-        <p:nvSpPr>
-          <p:cNvPr id="4" name="Text Placeholder 3"/>
+            <a:endParaRPr lang="fi-FI"/>
+          </a:p>
+        </p:txBody>
+      </p:sp>
+      <p:sp>
+        <p:nvSpPr>
+          <p:cNvPr id="4" name="Text Placeholder 3">
+            <a:extLst>
+              <a:ext uri="{FF2B5EF4-FFF2-40B4-BE49-F238E27FC236}">
+                <a16:creationId xmlns:a16="http://schemas.microsoft.com/office/drawing/2014/main" id="{2BB3C0DF-2FA7-9F4D-9B89-D124EBFDE4D9}"/>
+              </a:ext>
+            </a:extLst>
+          </p:cNvPr>
           <p:cNvSpPr>
             <a:spLocks noGrp="1"/>
           </p:cNvSpPr>
@@ -2682,15 +3482,21 @@
           <a:p>
             <a:pPr lvl="0"/>
             <a:r>
-              <a:rPr lang="en-US" smtClean="0"/>
-              <a:t>Click to edit Master text styles</a:t>
-            </a:r>
-          </a:p>
-        </p:txBody>
-      </p:sp>
-      <p:sp>
-        <p:nvSpPr>
-          <p:cNvPr id="5" name="Date Placeholder 4"/>
+              <a:rPr lang="en-US"/>
+              <a:t>Edit Master text styles</a:t>
+            </a:r>
+          </a:p>
+        </p:txBody>
+      </p:sp>
+      <p:sp>
+        <p:nvSpPr>
+          <p:cNvPr id="5" name="Date Placeholder 4">
+            <a:extLst>
+              <a:ext uri="{FF2B5EF4-FFF2-40B4-BE49-F238E27FC236}">
+                <a16:creationId xmlns:a16="http://schemas.microsoft.com/office/drawing/2014/main" id="{758F655D-872F-5146-90E8-CD512473AA95}"/>
+              </a:ext>
+            </a:extLst>
+          </p:cNvPr>
           <p:cNvSpPr>
             <a:spLocks noGrp="1"/>
           </p:cNvSpPr>
@@ -2705,7 +3511,7 @@
           <a:p>
             <a:fld id="{DF34B84E-A93A-7243-B010-F878AC8582F7}" type="datetimeFigureOut">
               <a:rPr lang="en-US" smtClean="0"/>
-              <a:t>4/21/18</a:t>
+              <a:t>4/24/18</a:t>
             </a:fld>
             <a:endParaRPr lang="en-US"/>
           </a:p>
@@ -2713,7 +3519,13 @@
       </p:sp>
       <p:sp>
         <p:nvSpPr>
-          <p:cNvPr id="6" name="Footer Placeholder 5"/>
+          <p:cNvPr id="6" name="Footer Placeholder 5">
+            <a:extLst>
+              <a:ext uri="{FF2B5EF4-FFF2-40B4-BE49-F238E27FC236}">
+                <a16:creationId xmlns:a16="http://schemas.microsoft.com/office/drawing/2014/main" id="{FCCF1345-749B-2C42-8522-0E085ADA80EC}"/>
+              </a:ext>
+            </a:extLst>
+          </p:cNvPr>
           <p:cNvSpPr>
             <a:spLocks noGrp="1"/>
           </p:cNvSpPr>
@@ -2732,7 +3544,13 @@
       </p:sp>
       <p:sp>
         <p:nvSpPr>
-          <p:cNvPr id="7" name="Slide Number Placeholder 6"/>
+          <p:cNvPr id="7" name="Slide Number Placeholder 6">
+            <a:extLst>
+              <a:ext uri="{FF2B5EF4-FFF2-40B4-BE49-F238E27FC236}">
+                <a16:creationId xmlns:a16="http://schemas.microsoft.com/office/drawing/2014/main" id="{31871859-7ADC-8748-B739-840233C62954}"/>
+              </a:ext>
+            </a:extLst>
+          </p:cNvPr>
           <p:cNvSpPr>
             <a:spLocks noGrp="1"/>
           </p:cNvSpPr>
@@ -2756,7 +3574,7 @@
     </p:spTree>
     <p:extLst>
       <p:ext uri="{BB962C8B-B14F-4D97-AF65-F5344CB8AC3E}">
-        <p14:creationId xmlns:p14="http://schemas.microsoft.com/office/powerpoint/2010/main" val="443194940"/>
+        <p14:creationId xmlns:p14="http://schemas.microsoft.com/office/powerpoint/2010/main" val="1686309614"/>
       </p:ext>
     </p:extLst>
   </p:cSld>
@@ -2790,7 +3608,13 @@
       </p:grpSpPr>
       <p:sp>
         <p:nvSpPr>
-          <p:cNvPr id="2" name="Title Placeholder 1"/>
+          <p:cNvPr id="2" name="Title Placeholder 1">
+            <a:extLst>
+              <a:ext uri="{FF2B5EF4-FFF2-40B4-BE49-F238E27FC236}">
+                <a16:creationId xmlns:a16="http://schemas.microsoft.com/office/drawing/2014/main" id="{EF9AFF19-1BF7-104B-8B4A-444338B9F367}"/>
+              </a:ext>
+            </a:extLst>
+          </p:cNvPr>
           <p:cNvSpPr>
             <a:spLocks noGrp="1"/>
           </p:cNvSpPr>
@@ -2814,16 +3638,22 @@
           <a:lstStyle/>
           <a:p>
             <a:r>
-              <a:rPr lang="en-US" smtClean="0"/>
+              <a:rPr lang="en-US"/>
               <a:t>Click to edit Master title style</a:t>
             </a:r>
-            <a:endParaRPr lang="en-US"/>
-          </a:p>
-        </p:txBody>
-      </p:sp>
-      <p:sp>
-        <p:nvSpPr>
-          <p:cNvPr id="3" name="Text Placeholder 2"/>
+            <a:endParaRPr lang="fi-FI"/>
+          </a:p>
+        </p:txBody>
+      </p:sp>
+      <p:sp>
+        <p:nvSpPr>
+          <p:cNvPr id="3" name="Text Placeholder 2">
+            <a:extLst>
+              <a:ext uri="{FF2B5EF4-FFF2-40B4-BE49-F238E27FC236}">
+                <a16:creationId xmlns:a16="http://schemas.microsoft.com/office/drawing/2014/main" id="{52ABE855-6F2C-D14E-89EC-3F89FDE6FD73}"/>
+              </a:ext>
+            </a:extLst>
+          </p:cNvPr>
           <p:cNvSpPr>
             <a:spLocks noGrp="1"/>
           </p:cNvSpPr>
@@ -2848,44 +3678,50 @@
           <a:p>
             <a:pPr lvl="0"/>
             <a:r>
-              <a:rPr lang="en-US" smtClean="0"/>
-              <a:t>Click to edit Master text styles</a:t>
+              <a:rPr lang="en-US"/>
+              <a:t>Edit Master text styles</a:t>
             </a:r>
           </a:p>
           <a:p>
             <a:pPr lvl="1"/>
             <a:r>
-              <a:rPr lang="en-US" smtClean="0"/>
+              <a:rPr lang="en-US"/>
               <a:t>Second level</a:t>
             </a:r>
           </a:p>
           <a:p>
             <a:pPr lvl="2"/>
             <a:r>
-              <a:rPr lang="en-US" smtClean="0"/>
+              <a:rPr lang="en-US"/>
               <a:t>Third level</a:t>
             </a:r>
           </a:p>
           <a:p>
             <a:pPr lvl="3"/>
             <a:r>
-              <a:rPr lang="en-US" smtClean="0"/>
+              <a:rPr lang="en-US"/>
               <a:t>Fourth level</a:t>
             </a:r>
           </a:p>
           <a:p>
             <a:pPr lvl="4"/>
             <a:r>
-              <a:rPr lang="en-US" smtClean="0"/>
+              <a:rPr lang="en-US"/>
               <a:t>Fifth level</a:t>
             </a:r>
-            <a:endParaRPr lang="en-US"/>
-          </a:p>
-        </p:txBody>
-      </p:sp>
-      <p:sp>
-        <p:nvSpPr>
-          <p:cNvPr id="4" name="Date Placeholder 3"/>
+            <a:endParaRPr lang="fi-FI"/>
+          </a:p>
+        </p:txBody>
+      </p:sp>
+      <p:sp>
+        <p:nvSpPr>
+          <p:cNvPr id="4" name="Date Placeholder 3">
+            <a:extLst>
+              <a:ext uri="{FF2B5EF4-FFF2-40B4-BE49-F238E27FC236}">
+                <a16:creationId xmlns:a16="http://schemas.microsoft.com/office/drawing/2014/main" id="{DBD43336-FEDE-D946-8E04-2A6CA53BAE3A}"/>
+              </a:ext>
+            </a:extLst>
+          </p:cNvPr>
           <p:cNvSpPr>
             <a:spLocks noGrp="1"/>
           </p:cNvSpPr>
@@ -2918,7 +3754,7 @@
           <a:p>
             <a:fld id="{DF34B84E-A93A-7243-B010-F878AC8582F7}" type="datetimeFigureOut">
               <a:rPr lang="en-US" smtClean="0"/>
-              <a:t>4/21/18</a:t>
+              <a:t>4/24/18</a:t>
             </a:fld>
             <a:endParaRPr lang="en-US"/>
           </a:p>
@@ -2926,7 +3762,13 @@
       </p:sp>
       <p:sp>
         <p:nvSpPr>
-          <p:cNvPr id="5" name="Footer Placeholder 4"/>
+          <p:cNvPr id="5" name="Footer Placeholder 4">
+            <a:extLst>
+              <a:ext uri="{FF2B5EF4-FFF2-40B4-BE49-F238E27FC236}">
+                <a16:creationId xmlns:a16="http://schemas.microsoft.com/office/drawing/2014/main" id="{AD4F7338-AE4E-F248-AF39-39E79ED04064}"/>
+              </a:ext>
+            </a:extLst>
+          </p:cNvPr>
           <p:cNvSpPr>
             <a:spLocks noGrp="1"/>
           </p:cNvSpPr>
@@ -2963,7 +3805,13 @@
       </p:sp>
       <p:sp>
         <p:nvSpPr>
-          <p:cNvPr id="6" name="Slide Number Placeholder 5"/>
+          <p:cNvPr id="6" name="Slide Number Placeholder 5">
+            <a:extLst>
+              <a:ext uri="{FF2B5EF4-FFF2-40B4-BE49-F238E27FC236}">
+                <a16:creationId xmlns:a16="http://schemas.microsoft.com/office/drawing/2014/main" id="{860A0575-163D-B94B-BD63-A2E8B358EBCE}"/>
+              </a:ext>
+            </a:extLst>
+          </p:cNvPr>
           <p:cNvSpPr>
             <a:spLocks noGrp="1"/>
           </p:cNvSpPr>
@@ -3005,23 +3853,23 @@
     </p:spTree>
     <p:extLst>
       <p:ext uri="{BB962C8B-B14F-4D97-AF65-F5344CB8AC3E}">
-        <p14:creationId xmlns:p14="http://schemas.microsoft.com/office/powerpoint/2010/main" val="1635144368"/>
+        <p14:creationId xmlns:p14="http://schemas.microsoft.com/office/powerpoint/2010/main" val="3091986520"/>
       </p:ext>
     </p:extLst>
   </p:cSld>
   <p:clrMap bg1="lt1" tx1="dk1" bg2="lt2" tx2="dk2" accent1="accent1" accent2="accent2" accent3="accent3" accent4="accent4" accent5="accent5" accent6="accent6" hlink="hlink" folHlink="folHlink"/>
   <p:sldLayoutIdLst>
-    <p:sldLayoutId id="2147483649" r:id="rId1"/>
-    <p:sldLayoutId id="2147483650" r:id="rId2"/>
-    <p:sldLayoutId id="2147483651" r:id="rId3"/>
-    <p:sldLayoutId id="2147483652" r:id="rId4"/>
-    <p:sldLayoutId id="2147483653" r:id="rId5"/>
-    <p:sldLayoutId id="2147483654" r:id="rId6"/>
-    <p:sldLayoutId id="2147483655" r:id="rId7"/>
-    <p:sldLayoutId id="2147483656" r:id="rId8"/>
-    <p:sldLayoutId id="2147483657" r:id="rId9"/>
-    <p:sldLayoutId id="2147483658" r:id="rId10"/>
-    <p:sldLayoutId id="2147483659" r:id="rId11"/>
+    <p:sldLayoutId id="2147483673" r:id="rId1"/>
+    <p:sldLayoutId id="2147483674" r:id="rId2"/>
+    <p:sldLayoutId id="2147483675" r:id="rId3"/>
+    <p:sldLayoutId id="2147483676" r:id="rId4"/>
+    <p:sldLayoutId id="2147483677" r:id="rId5"/>
+    <p:sldLayoutId id="2147483678" r:id="rId6"/>
+    <p:sldLayoutId id="2147483679" r:id="rId7"/>
+    <p:sldLayoutId id="2147483680" r:id="rId8"/>
+    <p:sldLayoutId id="2147483681" r:id="rId9"/>
+    <p:sldLayoutId id="2147483682" r:id="rId10"/>
+    <p:sldLayoutId id="2147483683" r:id="rId11"/>
   </p:sldLayoutIdLst>
   <p:txStyles>
     <p:titleStyle>
@@ -3051,7 +3899,7 @@
         <a:spcBef>
           <a:spcPts val="1000"/>
         </a:spcBef>
-        <a:buFont typeface="Arial"/>
+        <a:buFont typeface="Arial" panose="020B0604020202020204" pitchFamily="34" charset="0"/>
         <a:buChar char="•"/>
         <a:defRPr sz="2800" kern="1200">
           <a:solidFill>
@@ -3069,7 +3917,7 @@
         <a:spcBef>
           <a:spcPts val="500"/>
         </a:spcBef>
-        <a:buFont typeface="Arial"/>
+        <a:buFont typeface="Arial" panose="020B0604020202020204" pitchFamily="34" charset="0"/>
         <a:buChar char="•"/>
         <a:defRPr sz="2400" kern="1200">
           <a:solidFill>
@@ -3087,7 +3935,7 @@
         <a:spcBef>
           <a:spcPts val="500"/>
         </a:spcBef>
-        <a:buFont typeface="Arial"/>
+        <a:buFont typeface="Arial" panose="020B0604020202020204" pitchFamily="34" charset="0"/>
         <a:buChar char="•"/>
         <a:defRPr sz="2000" kern="1200">
           <a:solidFill>
@@ -3105,7 +3953,7 @@
         <a:spcBef>
           <a:spcPts val="500"/>
         </a:spcBef>
-        <a:buFont typeface="Arial"/>
+        <a:buFont typeface="Arial" panose="020B0604020202020204" pitchFamily="34" charset="0"/>
         <a:buChar char="•"/>
         <a:defRPr sz="1800" kern="1200">
           <a:solidFill>
@@ -3123,7 +3971,7 @@
         <a:spcBef>
           <a:spcPts val="500"/>
         </a:spcBef>
-        <a:buFont typeface="Arial"/>
+        <a:buFont typeface="Arial" panose="020B0604020202020204" pitchFamily="34" charset="0"/>
         <a:buChar char="•"/>
         <a:defRPr sz="1800" kern="1200">
           <a:solidFill>
@@ -3141,7 +3989,7 @@
         <a:spcBef>
           <a:spcPts val="500"/>
         </a:spcBef>
-        <a:buFont typeface="Arial"/>
+        <a:buFont typeface="Arial" panose="020B0604020202020204" pitchFamily="34" charset="0"/>
         <a:buChar char="•"/>
         <a:defRPr sz="1800" kern="1200">
           <a:solidFill>
@@ -3159,7 +4007,7 @@
         <a:spcBef>
           <a:spcPts val="500"/>
         </a:spcBef>
-        <a:buFont typeface="Arial"/>
+        <a:buFont typeface="Arial" panose="020B0604020202020204" pitchFamily="34" charset="0"/>
         <a:buChar char="•"/>
         <a:defRPr sz="1800" kern="1200">
           <a:solidFill>
@@ -3177,7 +4025,7 @@
         <a:spcBef>
           <a:spcPts val="500"/>
         </a:spcBef>
-        <a:buFont typeface="Arial"/>
+        <a:buFont typeface="Arial" panose="020B0604020202020204" pitchFamily="34" charset="0"/>
         <a:buChar char="•"/>
         <a:defRPr sz="1800" kern="1200">
           <a:solidFill>
@@ -3195,7 +4043,7 @@
         <a:spcBef>
           <a:spcPts val="500"/>
         </a:spcBef>
-        <a:buFont typeface="Arial"/>
+        <a:buFont typeface="Arial" panose="020B0604020202020204" pitchFamily="34" charset="0"/>
         <a:buChar char="•"/>
         <a:defRPr sz="1800" kern="1200">
           <a:solidFill>
@@ -3209,7 +4057,7 @@
     </p:bodyStyle>
     <p:otherStyle>
       <a:defPPr>
-        <a:defRPr lang="en-US"/>
+        <a:defRPr lang="fi-FI"/>
       </a:defPPr>
       <a:lvl1pPr marL="0" algn="l" defTabSz="914400" rtl="0" eaLnBrk="1" latinLnBrk="0" hangingPunct="1">
         <a:defRPr sz="1800" kern="1200">
@@ -3335,41 +4183,41 @@
         </p:nvSpPr>
         <p:spPr/>
         <p:txBody>
+          <a:bodyPr>
+            <a:normAutofit/>
+          </a:bodyPr>
+          <a:lstStyle/>
+          <a:p>
+            <a:r>
+              <a:rPr lang="en-US" dirty="0"/>
+              <a:t>Object relational impedance mismatch </a:t>
+            </a:r>
+            <a:r>
+              <a:rPr lang="en-US" b="1" dirty="0"/>
+              <a:t>solved</a:t>
+            </a:r>
+          </a:p>
+        </p:txBody>
+      </p:sp>
+      <p:sp>
+        <p:nvSpPr>
+          <p:cNvPr id="3" name="Subtitle 2"/>
+          <p:cNvSpPr>
+            <a:spLocks noGrp="1"/>
+          </p:cNvSpPr>
+          <p:nvPr>
+            <p:ph type="subTitle" idx="1"/>
+          </p:nvPr>
+        </p:nvSpPr>
+        <p:spPr/>
+        <p:txBody>
           <a:bodyPr/>
           <a:lstStyle/>
           <a:p>
             <a:r>
-              <a:rPr lang="en-US" dirty="0" smtClean="0"/>
-              <a:t>Object relational impedance mismatch </a:t>
-            </a:r>
-            <a:r>
-              <a:rPr lang="en-US" b="1" dirty="0" smtClean="0"/>
-              <a:t>solved</a:t>
-            </a:r>
-            <a:endParaRPr lang="en-US" b="1" dirty="0"/>
-          </a:p>
-        </p:txBody>
-      </p:sp>
-      <p:sp>
-        <p:nvSpPr>
-          <p:cNvPr id="3" name="Subtitle 2"/>
-          <p:cNvSpPr>
-            <a:spLocks noGrp="1"/>
-          </p:cNvSpPr>
-          <p:nvPr>
-            <p:ph type="subTitle" idx="1"/>
-          </p:nvPr>
-        </p:nvSpPr>
-        <p:spPr/>
-        <p:txBody>
-          <a:bodyPr/>
-          <a:lstStyle/>
-          <a:p>
-            <a:r>
-              <a:rPr lang="en-US" dirty="0" smtClean="0"/>
+              <a:rPr lang="en-US" dirty="0"/>
               <a:t>Jukka Villstedt</a:t>
             </a:r>
-            <a:endParaRPr lang="en-US" dirty="0"/>
           </a:p>
         </p:txBody>
       </p:sp>
@@ -3377,6 +4225,671 @@
     <p:extLst>
       <p:ext uri="{BB962C8B-B14F-4D97-AF65-F5344CB8AC3E}">
         <p14:creationId xmlns:p14="http://schemas.microsoft.com/office/powerpoint/2010/main" val="931811235"/>
+      </p:ext>
+    </p:extLst>
+  </p:cSld>
+  <p:clrMapOvr>
+    <a:masterClrMapping/>
+  </p:clrMapOvr>
+</p:sld>
+</file>
+
+<file path=ppt/slides/slide10.xml><?xml version="1.0" encoding="utf-8"?>
+<p:sld xmlns:a="http://schemas.openxmlformats.org/drawingml/2006/main" xmlns:r="http://schemas.openxmlformats.org/officeDocument/2006/relationships" xmlns:p="http://schemas.openxmlformats.org/presentationml/2006/main">
+  <p:cSld>
+    <p:spTree>
+      <p:nvGrpSpPr>
+        <p:cNvPr id="1" name=""/>
+        <p:cNvGrpSpPr/>
+        <p:nvPr/>
+      </p:nvGrpSpPr>
+      <p:grpSpPr>
+        <a:xfrm>
+          <a:off x="0" y="0"/>
+          <a:ext cx="0" cy="0"/>
+          <a:chOff x="0" y="0"/>
+          <a:chExt cx="0" cy="0"/>
+        </a:xfrm>
+      </p:grpSpPr>
+      <p:sp>
+        <p:nvSpPr>
+          <p:cNvPr id="3" name="TextBox 2">
+            <a:extLst>
+              <a:ext uri="{FF2B5EF4-FFF2-40B4-BE49-F238E27FC236}">
+                <a16:creationId xmlns:a16="http://schemas.microsoft.com/office/drawing/2014/main" id="{049B8419-CEBD-4A47-A333-A3B34E096638}"/>
+              </a:ext>
+            </a:extLst>
+          </p:cNvPr>
+          <p:cNvSpPr txBox="1"/>
+          <p:nvPr/>
+        </p:nvSpPr>
+        <p:spPr>
+          <a:xfrm>
+            <a:off x="1739154" y="3720353"/>
+            <a:ext cx="8884023" cy="558294"/>
+          </a:xfrm>
+          <a:prstGeom prst="rect">
+            <a:avLst/>
+          </a:prstGeom>
+          <a:noFill/>
+        </p:spPr>
+        <p:txBody>
+          <a:bodyPr wrap="square" rtlCol="0">
+            <a:spAutoFit/>
+          </a:bodyPr>
+          <a:lstStyle/>
+          <a:p>
+            <a:pPr algn="ctr">
+              <a:lnSpc>
+                <a:spcPct val="200000"/>
+              </a:lnSpc>
+            </a:pPr>
+            <a:r>
+              <a:rPr lang="fi-FI" dirty="0">
+                <a:latin typeface="Arial Rounded MT Bold" panose="020F0704030504030204" pitchFamily="34" charset="77"/>
+              </a:rPr>
+              <a:t>A </a:t>
+            </a:r>
+            <a:r>
+              <a:rPr lang="fi-FI" dirty="0" err="1">
+                <a:latin typeface="Arial Rounded MT Bold" panose="020F0704030504030204" pitchFamily="34" charset="77"/>
+              </a:rPr>
+              <a:t>library</a:t>
+            </a:r>
+            <a:r>
+              <a:rPr lang="fi-FI" dirty="0">
+                <a:latin typeface="Arial Rounded MT Bold" panose="020F0704030504030204" pitchFamily="34" charset="77"/>
+              </a:rPr>
+              <a:t> of </a:t>
+            </a:r>
+            <a:r>
+              <a:rPr lang="fi-FI" dirty="0" err="1">
+                <a:latin typeface="Arial Rounded MT Bold" panose="020F0704030504030204" pitchFamily="34" charset="77"/>
+              </a:rPr>
+              <a:t>Datomic</a:t>
+            </a:r>
+            <a:r>
+              <a:rPr lang="fi-FI" dirty="0">
+                <a:latin typeface="Arial Rounded MT Bold" panose="020F0704030504030204" pitchFamily="34" charset="77"/>
+              </a:rPr>
+              <a:t> </a:t>
+            </a:r>
+            <a:r>
+              <a:rPr lang="fi-FI" dirty="0" err="1">
+                <a:latin typeface="Arial Rounded MT Bold" panose="020F0704030504030204" pitchFamily="34" charset="77"/>
+              </a:rPr>
+              <a:t>like</a:t>
+            </a:r>
+            <a:r>
+              <a:rPr lang="fi-FI" dirty="0">
+                <a:latin typeface="Arial Rounded MT Bold" panose="020F0704030504030204" pitchFamily="34" charset="77"/>
+              </a:rPr>
+              <a:t> data </a:t>
+            </a:r>
+            <a:r>
+              <a:rPr lang="fi-FI" dirty="0" err="1">
+                <a:latin typeface="Arial Rounded MT Bold" panose="020F0704030504030204" pitchFamily="34" charset="77"/>
+              </a:rPr>
+              <a:t>structures</a:t>
+            </a:r>
+            <a:endParaRPr lang="fi-FI" dirty="0">
+              <a:latin typeface="Arial Rounded MT Bold" panose="020F0704030504030204" pitchFamily="34" charset="77"/>
+            </a:endParaRPr>
+          </a:p>
+        </p:txBody>
+      </p:sp>
+      <p:sp>
+        <p:nvSpPr>
+          <p:cNvPr id="5" name="TextBox 4">
+            <a:extLst>
+              <a:ext uri="{FF2B5EF4-FFF2-40B4-BE49-F238E27FC236}">
+                <a16:creationId xmlns:a16="http://schemas.microsoft.com/office/drawing/2014/main" id="{329FED9B-269C-AD48-8F2D-B3740E154521}"/>
+              </a:ext>
+            </a:extLst>
+          </p:cNvPr>
+          <p:cNvSpPr txBox="1"/>
+          <p:nvPr/>
+        </p:nvSpPr>
+        <p:spPr>
+          <a:xfrm>
+            <a:off x="1739153" y="4410693"/>
+            <a:ext cx="8884023" cy="558294"/>
+          </a:xfrm>
+          <a:prstGeom prst="rect">
+            <a:avLst/>
+          </a:prstGeom>
+          <a:noFill/>
+        </p:spPr>
+        <p:txBody>
+          <a:bodyPr wrap="square" rtlCol="0">
+            <a:spAutoFit/>
+          </a:bodyPr>
+          <a:lstStyle/>
+          <a:p>
+            <a:pPr algn="ctr">
+              <a:lnSpc>
+                <a:spcPct val="200000"/>
+              </a:lnSpc>
+            </a:pPr>
+            <a:r>
+              <a:rPr lang="fi-FI" dirty="0">
+                <a:latin typeface="Arial Rounded MT Bold" panose="020F0704030504030204" pitchFamily="34" charset="77"/>
+              </a:rPr>
+              <a:t>In POC </a:t>
+            </a:r>
+            <a:r>
+              <a:rPr lang="fi-FI" dirty="0" err="1">
+                <a:latin typeface="Arial Rounded MT Bold" panose="020F0704030504030204" pitchFamily="34" charset="77"/>
+              </a:rPr>
+              <a:t>stage</a:t>
+            </a:r>
+            <a:endParaRPr lang="fi-FI" dirty="0">
+              <a:latin typeface="Arial Rounded MT Bold" panose="020F0704030504030204" pitchFamily="34" charset="77"/>
+            </a:endParaRPr>
+          </a:p>
+        </p:txBody>
+      </p:sp>
+      <p:pic>
+        <p:nvPicPr>
+          <p:cNvPr id="6" name="Picture 5">
+            <a:extLst>
+              <a:ext uri="{FF2B5EF4-FFF2-40B4-BE49-F238E27FC236}">
+                <a16:creationId xmlns:a16="http://schemas.microsoft.com/office/drawing/2014/main" id="{FF5EFFE3-5148-EC4A-AE84-84F9BDF07D4D}"/>
+              </a:ext>
+            </a:extLst>
+          </p:cNvPr>
+          <p:cNvPicPr>
+            <a:picLocks noChangeAspect="1"/>
+          </p:cNvPicPr>
+          <p:nvPr/>
+        </p:nvPicPr>
+        <p:blipFill>
+          <a:blip r:embed="rId2"/>
+          <a:stretch>
+            <a:fillRect/>
+          </a:stretch>
+        </p:blipFill>
+        <p:spPr>
+          <a:xfrm>
+            <a:off x="4406051" y="1084468"/>
+            <a:ext cx="3353992" cy="1412902"/>
+          </a:xfrm>
+          <a:prstGeom prst="rect">
+            <a:avLst/>
+          </a:prstGeom>
+        </p:spPr>
+      </p:pic>
+    </p:spTree>
+    <p:extLst>
+      <p:ext uri="{BB962C8B-B14F-4D97-AF65-F5344CB8AC3E}">
+        <p14:creationId xmlns:p14="http://schemas.microsoft.com/office/powerpoint/2010/main" val="2241367153"/>
+      </p:ext>
+    </p:extLst>
+  </p:cSld>
+  <p:clrMapOvr>
+    <a:masterClrMapping/>
+  </p:clrMapOvr>
+</p:sld>
+</file>
+
+<file path=ppt/slides/slide11.xml><?xml version="1.0" encoding="utf-8"?>
+<p:sld xmlns:a="http://schemas.openxmlformats.org/drawingml/2006/main" xmlns:r="http://schemas.openxmlformats.org/officeDocument/2006/relationships" xmlns:p="http://schemas.openxmlformats.org/presentationml/2006/main">
+  <p:cSld>
+    <p:spTree>
+      <p:nvGrpSpPr>
+        <p:cNvPr id="1" name=""/>
+        <p:cNvGrpSpPr/>
+        <p:nvPr/>
+      </p:nvGrpSpPr>
+      <p:grpSpPr>
+        <a:xfrm>
+          <a:off x="0" y="0"/>
+          <a:ext cx="0" cy="0"/>
+          <a:chOff x="0" y="0"/>
+          <a:chExt cx="0" cy="0"/>
+        </a:xfrm>
+      </p:grpSpPr>
+      <p:pic>
+        <p:nvPicPr>
+          <p:cNvPr id="9" name="Picture 8"/>
+          <p:cNvPicPr>
+            <a:picLocks noChangeAspect="1"/>
+          </p:cNvPicPr>
+          <p:nvPr/>
+        </p:nvPicPr>
+        <p:blipFill>
+          <a:blip r:embed="rId2"/>
+          <a:stretch>
+            <a:fillRect/>
+          </a:stretch>
+        </p:blipFill>
+        <p:spPr>
+          <a:xfrm>
+            <a:off x="789577" y="1584959"/>
+            <a:ext cx="10859589" cy="3740876"/>
+          </a:xfrm>
+          <a:prstGeom prst="rect">
+            <a:avLst/>
+          </a:prstGeom>
+        </p:spPr>
+      </p:pic>
+    </p:spTree>
+    <p:extLst>
+      <p:ext uri="{BB962C8B-B14F-4D97-AF65-F5344CB8AC3E}">
+        <p14:creationId xmlns:p14="http://schemas.microsoft.com/office/powerpoint/2010/main" val="776006501"/>
+      </p:ext>
+    </p:extLst>
+  </p:cSld>
+  <p:clrMapOvr>
+    <a:masterClrMapping/>
+  </p:clrMapOvr>
+</p:sld>
+</file>
+
+<file path=ppt/slides/slide12.xml><?xml version="1.0" encoding="utf-8"?>
+<p:sld xmlns:a="http://schemas.openxmlformats.org/drawingml/2006/main" xmlns:r="http://schemas.openxmlformats.org/officeDocument/2006/relationships" xmlns:p="http://schemas.openxmlformats.org/presentationml/2006/main">
+  <p:cSld>
+    <p:spTree>
+      <p:nvGrpSpPr>
+        <p:cNvPr id="1" name=""/>
+        <p:cNvGrpSpPr/>
+        <p:nvPr/>
+      </p:nvGrpSpPr>
+      <p:grpSpPr>
+        <a:xfrm>
+          <a:off x="0" y="0"/>
+          <a:ext cx="0" cy="0"/>
+          <a:chOff x="0" y="0"/>
+          <a:chExt cx="0" cy="0"/>
+        </a:xfrm>
+      </p:grpSpPr>
+      <p:pic>
+        <p:nvPicPr>
+          <p:cNvPr id="3" name="Picture 2"/>
+          <p:cNvPicPr>
+            <a:picLocks noChangeAspect="1"/>
+          </p:cNvPicPr>
+          <p:nvPr/>
+        </p:nvPicPr>
+        <p:blipFill>
+          <a:blip r:embed="rId2"/>
+          <a:stretch>
+            <a:fillRect/>
+          </a:stretch>
+        </p:blipFill>
+        <p:spPr>
+          <a:xfrm>
+            <a:off x="2682478" y="1332411"/>
+            <a:ext cx="5897025" cy="3553097"/>
+          </a:xfrm>
+          <a:prstGeom prst="rect">
+            <a:avLst/>
+          </a:prstGeom>
+        </p:spPr>
+      </p:pic>
+    </p:spTree>
+    <p:extLst>
+      <p:ext uri="{BB962C8B-B14F-4D97-AF65-F5344CB8AC3E}">
+        <p14:creationId xmlns:p14="http://schemas.microsoft.com/office/powerpoint/2010/main" val="678745059"/>
+      </p:ext>
+    </p:extLst>
+  </p:cSld>
+  <p:clrMapOvr>
+    <a:masterClrMapping/>
+  </p:clrMapOvr>
+</p:sld>
+</file>
+
+<file path=ppt/slides/slide13.xml><?xml version="1.0" encoding="utf-8"?>
+<p:sld xmlns:a="http://schemas.openxmlformats.org/drawingml/2006/main" xmlns:r="http://schemas.openxmlformats.org/officeDocument/2006/relationships" xmlns:p="http://schemas.openxmlformats.org/presentationml/2006/main">
+  <p:cSld>
+    <p:bg>
+      <p:bgPr>
+        <a:solidFill>
+          <a:schemeClr val="bg1"/>
+        </a:solidFill>
+        <a:effectLst/>
+      </p:bgPr>
+    </p:bg>
+    <p:spTree>
+      <p:nvGrpSpPr>
+        <p:cNvPr id="1" name=""/>
+        <p:cNvGrpSpPr/>
+        <p:nvPr/>
+      </p:nvGrpSpPr>
+      <p:grpSpPr>
+        <a:xfrm>
+          <a:off x="0" y="0"/>
+          <a:ext cx="0" cy="0"/>
+          <a:chOff x="0" y="0"/>
+          <a:chExt cx="0" cy="0"/>
+        </a:xfrm>
+      </p:grpSpPr>
+      <p:pic>
+        <p:nvPicPr>
+          <p:cNvPr id="5" name="Picture 4"/>
+          <p:cNvPicPr>
+            <a:picLocks noChangeAspect="1"/>
+          </p:cNvPicPr>
+          <p:nvPr/>
+        </p:nvPicPr>
+        <p:blipFill>
+          <a:blip r:embed="rId2"/>
+          <a:stretch>
+            <a:fillRect/>
+          </a:stretch>
+        </p:blipFill>
+        <p:spPr>
+          <a:xfrm>
+            <a:off x="4754879" y="362268"/>
+            <a:ext cx="2952548" cy="6130939"/>
+          </a:xfrm>
+          <a:prstGeom prst="rect">
+            <a:avLst/>
+          </a:prstGeom>
+        </p:spPr>
+      </p:pic>
+    </p:spTree>
+    <p:extLst>
+      <p:ext uri="{BB962C8B-B14F-4D97-AF65-F5344CB8AC3E}">
+        <p14:creationId xmlns:p14="http://schemas.microsoft.com/office/powerpoint/2010/main" val="3775868519"/>
+      </p:ext>
+    </p:extLst>
+  </p:cSld>
+  <p:clrMapOvr>
+    <a:masterClrMapping/>
+  </p:clrMapOvr>
+</p:sld>
+</file>
+
+<file path=ppt/slides/slide14.xml><?xml version="1.0" encoding="utf-8"?>
+<p:sld xmlns:a="http://schemas.openxmlformats.org/drawingml/2006/main" xmlns:r="http://schemas.openxmlformats.org/officeDocument/2006/relationships" xmlns:p="http://schemas.openxmlformats.org/presentationml/2006/main">
+  <p:cSld>
+    <p:bg>
+      <p:bgPr>
+        <a:solidFill>
+          <a:schemeClr val="bg1"/>
+        </a:solidFill>
+        <a:effectLst/>
+      </p:bgPr>
+    </p:bg>
+    <p:spTree>
+      <p:nvGrpSpPr>
+        <p:cNvPr id="1" name=""/>
+        <p:cNvGrpSpPr/>
+        <p:nvPr/>
+      </p:nvGrpSpPr>
+      <p:grpSpPr>
+        <a:xfrm>
+          <a:off x="0" y="0"/>
+          <a:ext cx="0" cy="0"/>
+          <a:chOff x="0" y="0"/>
+          <a:chExt cx="0" cy="0"/>
+        </a:xfrm>
+      </p:grpSpPr>
+      <p:pic>
+        <p:nvPicPr>
+          <p:cNvPr id="2" name="Picture 1"/>
+          <p:cNvPicPr>
+            <a:picLocks noChangeAspect="1"/>
+          </p:cNvPicPr>
+          <p:nvPr/>
+        </p:nvPicPr>
+        <p:blipFill>
+          <a:blip r:embed="rId2"/>
+          <a:stretch>
+            <a:fillRect/>
+          </a:stretch>
+        </p:blipFill>
+        <p:spPr>
+          <a:xfrm>
+            <a:off x="3358721" y="260289"/>
+            <a:ext cx="5062467" cy="6342184"/>
+          </a:xfrm>
+          <a:prstGeom prst="rect">
+            <a:avLst/>
+          </a:prstGeom>
+        </p:spPr>
+      </p:pic>
+    </p:spTree>
+    <p:extLst>
+      <p:ext uri="{BB962C8B-B14F-4D97-AF65-F5344CB8AC3E}">
+        <p14:creationId xmlns:p14="http://schemas.microsoft.com/office/powerpoint/2010/main" val="1619878208"/>
+      </p:ext>
+    </p:extLst>
+  </p:cSld>
+  <p:clrMapOvr>
+    <a:masterClrMapping/>
+  </p:clrMapOvr>
+</p:sld>
+</file>
+
+<file path=ppt/slides/slide15.xml><?xml version="1.0" encoding="utf-8"?>
+<p:sld xmlns:a="http://schemas.openxmlformats.org/drawingml/2006/main" xmlns:r="http://schemas.openxmlformats.org/officeDocument/2006/relationships" xmlns:p="http://schemas.openxmlformats.org/presentationml/2006/main">
+  <p:cSld>
+    <p:bg>
+      <p:bgPr>
+        <a:solidFill>
+          <a:schemeClr val="bg1"/>
+        </a:solidFill>
+        <a:effectLst/>
+      </p:bgPr>
+    </p:bg>
+    <p:spTree>
+      <p:nvGrpSpPr>
+        <p:cNvPr id="1" name=""/>
+        <p:cNvGrpSpPr/>
+        <p:nvPr/>
+      </p:nvGrpSpPr>
+      <p:grpSpPr>
+        <a:xfrm>
+          <a:off x="0" y="0"/>
+          <a:ext cx="0" cy="0"/>
+          <a:chOff x="0" y="0"/>
+          <a:chExt cx="0" cy="0"/>
+        </a:xfrm>
+      </p:grpSpPr>
+      <p:pic>
+        <p:nvPicPr>
+          <p:cNvPr id="5" name="Graphic 4">
+            <a:extLst>
+              <a:ext uri="{FF2B5EF4-FFF2-40B4-BE49-F238E27FC236}">
+                <a16:creationId xmlns:a16="http://schemas.microsoft.com/office/drawing/2014/main" id="{7EA3C4AE-9415-1049-B32E-CCC5073E8600}"/>
+              </a:ext>
+            </a:extLst>
+          </p:cNvPr>
+          <p:cNvPicPr>
+            <a:picLocks noChangeAspect="1"/>
+          </p:cNvPicPr>
+          <p:nvPr/>
+        </p:nvPicPr>
+        <p:blipFill>
+          <a:blip r:embed="rId3">
+            <a:extLst>
+              <a:ext uri="{96DAC541-7B7A-43D3-8B79-37D633B846F1}">
+                <asvg:svgBlip xmlns:asvg="http://schemas.microsoft.com/office/drawing/2016/SVG/main" r:embed="rId4"/>
+              </a:ext>
+            </a:extLst>
+          </a:blip>
+          <a:stretch>
+            <a:fillRect/>
+          </a:stretch>
+        </p:blipFill>
+        <p:spPr>
+          <a:xfrm>
+            <a:off x="662729" y="0"/>
+            <a:ext cx="9967171" cy="6868568"/>
+          </a:xfrm>
+          <a:prstGeom prst="rect">
+            <a:avLst/>
+          </a:prstGeom>
+        </p:spPr>
+      </p:pic>
+    </p:spTree>
+    <p:extLst>
+      <p:ext uri="{BB962C8B-B14F-4D97-AF65-F5344CB8AC3E}">
+        <p14:creationId xmlns:p14="http://schemas.microsoft.com/office/powerpoint/2010/main" val="1763764907"/>
+      </p:ext>
+    </p:extLst>
+  </p:cSld>
+  <p:clrMapOvr>
+    <a:masterClrMapping/>
+  </p:clrMapOvr>
+</p:sld>
+</file>
+
+<file path=ppt/slides/slide16.xml><?xml version="1.0" encoding="utf-8"?>
+<p:sld xmlns:a="http://schemas.openxmlformats.org/drawingml/2006/main" xmlns:r="http://schemas.openxmlformats.org/officeDocument/2006/relationships" xmlns:p="http://schemas.openxmlformats.org/presentationml/2006/main">
+  <p:cSld>
+    <p:spTree>
+      <p:nvGrpSpPr>
+        <p:cNvPr id="1" name=""/>
+        <p:cNvGrpSpPr/>
+        <p:nvPr/>
+      </p:nvGrpSpPr>
+      <p:grpSpPr>
+        <a:xfrm>
+          <a:off x="0" y="0"/>
+          <a:ext cx="0" cy="0"/>
+          <a:chOff x="0" y="0"/>
+          <a:chExt cx="0" cy="0"/>
+        </a:xfrm>
+      </p:grpSpPr>
+      <p:pic>
+        <p:nvPicPr>
+          <p:cNvPr id="4" name="Picture 3">
+            <a:extLst>
+              <a:ext uri="{FF2B5EF4-FFF2-40B4-BE49-F238E27FC236}">
+                <a16:creationId xmlns:a16="http://schemas.microsoft.com/office/drawing/2014/main" id="{D62570C3-750D-DE49-BB01-6CBEB4F83492}"/>
+              </a:ext>
+            </a:extLst>
+          </p:cNvPr>
+          <p:cNvPicPr>
+            <a:picLocks noChangeAspect="1"/>
+          </p:cNvPicPr>
+          <p:nvPr/>
+        </p:nvPicPr>
+        <p:blipFill>
+          <a:blip r:embed="rId2"/>
+          <a:stretch>
+            <a:fillRect/>
+          </a:stretch>
+        </p:blipFill>
+        <p:spPr>
+          <a:xfrm>
+            <a:off x="1894055" y="381589"/>
+            <a:ext cx="7744216" cy="6192205"/>
+          </a:xfrm>
+          <a:prstGeom prst="rect">
+            <a:avLst/>
+          </a:prstGeom>
+        </p:spPr>
+      </p:pic>
+    </p:spTree>
+    <p:extLst>
+      <p:ext uri="{BB962C8B-B14F-4D97-AF65-F5344CB8AC3E}">
+        <p14:creationId xmlns:p14="http://schemas.microsoft.com/office/powerpoint/2010/main" val="1115807211"/>
+      </p:ext>
+    </p:extLst>
+  </p:cSld>
+  <p:clrMapOvr>
+    <a:masterClrMapping/>
+  </p:clrMapOvr>
+</p:sld>
+</file>
+
+<file path=ppt/slides/slide17.xml><?xml version="1.0" encoding="utf-8"?>
+<p:sld xmlns:a="http://schemas.openxmlformats.org/drawingml/2006/main" xmlns:r="http://schemas.openxmlformats.org/officeDocument/2006/relationships" xmlns:p="http://schemas.openxmlformats.org/presentationml/2006/main">
+  <p:cSld>
+    <p:spTree>
+      <p:nvGrpSpPr>
+        <p:cNvPr id="1" name=""/>
+        <p:cNvGrpSpPr/>
+        <p:nvPr/>
+      </p:nvGrpSpPr>
+      <p:grpSpPr>
+        <a:xfrm>
+          <a:off x="0" y="0"/>
+          <a:ext cx="0" cy="0"/>
+          <a:chOff x="0" y="0"/>
+          <a:chExt cx="0" cy="0"/>
+        </a:xfrm>
+      </p:grpSpPr>
+      <p:sp>
+        <p:nvSpPr>
+          <p:cNvPr id="2" name="Title 1">
+            <a:extLst>
+              <a:ext uri="{FF2B5EF4-FFF2-40B4-BE49-F238E27FC236}">
+                <a16:creationId xmlns:a16="http://schemas.microsoft.com/office/drawing/2014/main" id="{36283F53-F730-3B48-8C36-396B34CCEC45}"/>
+              </a:ext>
+            </a:extLst>
+          </p:cNvPr>
+          <p:cNvSpPr>
+            <a:spLocks noGrp="1"/>
+          </p:cNvSpPr>
+          <p:nvPr>
+            <p:ph type="title"/>
+          </p:nvPr>
+        </p:nvSpPr>
+        <p:spPr>
+          <a:xfrm>
+            <a:off x="2426369" y="2003824"/>
+            <a:ext cx="7343274" cy="1325563"/>
+          </a:xfrm>
+        </p:spPr>
+        <p:txBody>
+          <a:bodyPr/>
+          <a:lstStyle/>
+          <a:p>
+            <a:r>
+              <a:rPr lang="fi-FI" b="1" dirty="0" err="1">
+                <a:latin typeface="Arial Black" panose="020B0604020202020204" pitchFamily="34" charset="0"/>
+                <a:cs typeface="Arial Black" panose="020B0604020202020204" pitchFamily="34" charset="0"/>
+              </a:rPr>
+              <a:t>Off</a:t>
+            </a:r>
+            <a:r>
+              <a:rPr lang="fi-FI" b="1" dirty="0">
+                <a:latin typeface="Arial Black" panose="020B0604020202020204" pitchFamily="34" charset="0"/>
+                <a:cs typeface="Arial Black" panose="020B0604020202020204" pitchFamily="34" charset="0"/>
+              </a:rPr>
+              <a:t> to </a:t>
+            </a:r>
+            <a:r>
+              <a:rPr lang="fi-FI" b="1" dirty="0" err="1">
+                <a:latin typeface="Arial Black" panose="020B0604020202020204" pitchFamily="34" charset="0"/>
+                <a:cs typeface="Arial Black" panose="020B0604020202020204" pitchFamily="34" charset="0"/>
+              </a:rPr>
+              <a:t>the</a:t>
+            </a:r>
+            <a:r>
+              <a:rPr lang="fi-FI" b="1" dirty="0">
+                <a:latin typeface="Arial Black" panose="020B0604020202020204" pitchFamily="34" charset="0"/>
+                <a:cs typeface="Arial Black" panose="020B0604020202020204" pitchFamily="34" charset="0"/>
+              </a:rPr>
+              <a:t> REPL </a:t>
+            </a:r>
+            <a:r>
+              <a:rPr lang="fi-FI" b="1" dirty="0" err="1">
+                <a:latin typeface="Arial Black" panose="020B0604020202020204" pitchFamily="34" charset="0"/>
+                <a:cs typeface="Arial Black" panose="020B0604020202020204" pitchFamily="34" charset="0"/>
+              </a:rPr>
+              <a:t>we</a:t>
+            </a:r>
+            <a:r>
+              <a:rPr lang="fi-FI" b="1" dirty="0">
+                <a:latin typeface="Arial Black" panose="020B0604020202020204" pitchFamily="34" charset="0"/>
+                <a:cs typeface="Arial Black" panose="020B0604020202020204" pitchFamily="34" charset="0"/>
+              </a:rPr>
+              <a:t> go!</a:t>
+            </a:r>
+          </a:p>
+        </p:txBody>
+      </p:sp>
+    </p:spTree>
+    <p:extLst>
+      <p:ext uri="{BB962C8B-B14F-4D97-AF65-F5344CB8AC3E}">
+        <p14:creationId xmlns:p14="http://schemas.microsoft.com/office/powerpoint/2010/main" val="312471527"/>
       </p:ext>
     </p:extLst>
   </p:cSld>
@@ -3426,10 +4939,9 @@
           <a:lstStyle/>
           <a:p>
             <a:r>
-              <a:rPr lang="en-US" sz="2800" dirty="0" smtClean="0"/>
+              <a:rPr lang="en-US" sz="2800" dirty="0"/>
               <a:t>Objects</a:t>
             </a:r>
-            <a:endParaRPr lang="en-US" sz="2800" dirty="0"/>
           </a:p>
         </p:txBody>
       </p:sp>
@@ -3441,7 +4953,7 @@
         </p:nvSpPr>
         <p:spPr>
           <a:xfrm>
-            <a:off x="5978430" y="1985550"/>
+            <a:off x="6818689" y="1985552"/>
             <a:ext cx="2477593" cy="523220"/>
           </a:xfrm>
           <a:prstGeom prst="rect">
@@ -3456,10 +4968,9 @@
           <a:lstStyle/>
           <a:p>
             <a:r>
-              <a:rPr lang="en-US" sz="2800" dirty="0" smtClean="0"/>
+              <a:rPr lang="en-US" sz="2800" dirty="0"/>
               <a:t>Graph API</a:t>
             </a:r>
-            <a:endParaRPr lang="en-US" sz="2800" dirty="0"/>
           </a:p>
         </p:txBody>
       </p:sp>
@@ -3541,7 +5052,7 @@
         </p:nvSpPr>
         <p:spPr>
           <a:xfrm>
-            <a:off x="2786740" y="3600992"/>
+            <a:off x="2786740" y="4255900"/>
             <a:ext cx="1558836" cy="523220"/>
           </a:xfrm>
           <a:prstGeom prst="rect">
@@ -3556,10 +5067,9 @@
           <a:lstStyle/>
           <a:p>
             <a:r>
-              <a:rPr lang="en-US" sz="2800" dirty="0" smtClean="0"/>
+              <a:rPr lang="en-US" sz="2800" dirty="0"/>
               <a:t>Relations</a:t>
             </a:r>
-            <a:endParaRPr lang="en-US" sz="2800" dirty="0"/>
           </a:p>
         </p:txBody>
       </p:sp>
@@ -3571,7 +5081,7 @@
         </p:nvCxnSpPr>
         <p:spPr>
           <a:xfrm flipV="1">
-            <a:off x="2664822" y="3600993"/>
+            <a:off x="2664822" y="4255901"/>
             <a:ext cx="1541417" cy="696687"/>
           </a:xfrm>
           <a:prstGeom prst="line">
@@ -3606,7 +5116,7 @@
         </p:nvCxnSpPr>
         <p:spPr>
           <a:xfrm>
-            <a:off x="2664822" y="3600992"/>
+            <a:off x="2664822" y="4255900"/>
             <a:ext cx="1541417" cy="696688"/>
           </a:xfrm>
           <a:prstGeom prst="line">
@@ -3641,7 +5151,7 @@
         </p:nvSpPr>
         <p:spPr>
           <a:xfrm>
-            <a:off x="5978430" y="3472282"/>
+            <a:off x="6818689" y="4164263"/>
             <a:ext cx="3496493" cy="523220"/>
           </a:xfrm>
           <a:prstGeom prst="rect">
@@ -3656,10 +5166,9 @@
           <a:lstStyle/>
           <a:p>
             <a:r>
-              <a:rPr lang="en-US" sz="2800" dirty="0" smtClean="0"/>
+              <a:rPr lang="en-US" sz="2800" dirty="0"/>
               <a:t>Graphs</a:t>
             </a:r>
-            <a:endParaRPr lang="en-US" sz="2800" dirty="0"/>
           </a:p>
         </p:txBody>
       </p:sp>
@@ -3673,13 +5182,6 @@
   <p:clrMapOvr>
     <a:masterClrMapping/>
   </p:clrMapOvr>
-  <p:timing>
-    <p:tnLst>
-      <p:par>
-        <p:cTn id="1" dur="indefinite" restart="never" nodeType="tmRoot"/>
-      </p:par>
-    </p:tnLst>
-  </p:timing>
 </p:sld>
 </file>
 
@@ -3702,7 +5204,13 @@
       </p:grpSpPr>
       <p:pic>
         <p:nvPicPr>
-          <p:cNvPr id="2" name="Picture 1"/>
+          <p:cNvPr id="3" name="Picture 2">
+            <a:extLst>
+              <a:ext uri="{FF2B5EF4-FFF2-40B4-BE49-F238E27FC236}">
+                <a16:creationId xmlns:a16="http://schemas.microsoft.com/office/drawing/2014/main" id="{EFAF8C63-16BA-A945-9275-3F0A538C28A5}"/>
+              </a:ext>
+            </a:extLst>
+          </p:cNvPr>
           <p:cNvPicPr>
             <a:picLocks noChangeAspect="1"/>
           </p:cNvPicPr>
@@ -3716,8 +5224,38 @@
         </p:blipFill>
         <p:spPr>
           <a:xfrm>
-            <a:off x="1490071" y="1367246"/>
-            <a:ext cx="9529533" cy="3811813"/>
+            <a:off x="559401" y="1193800"/>
+            <a:ext cx="4888800" cy="4370918"/>
+          </a:xfrm>
+          <a:prstGeom prst="rect">
+            <a:avLst/>
+          </a:prstGeom>
+        </p:spPr>
+      </p:pic>
+      <p:pic>
+        <p:nvPicPr>
+          <p:cNvPr id="6" name="Picture 5">
+            <a:extLst>
+              <a:ext uri="{FF2B5EF4-FFF2-40B4-BE49-F238E27FC236}">
+                <a16:creationId xmlns:a16="http://schemas.microsoft.com/office/drawing/2014/main" id="{984E26BA-4AC3-8543-BA6F-C84CBA8B5A6F}"/>
+              </a:ext>
+            </a:extLst>
+          </p:cNvPr>
+          <p:cNvPicPr>
+            <a:picLocks noChangeAspect="1"/>
+          </p:cNvPicPr>
+          <p:nvPr/>
+        </p:nvPicPr>
+        <p:blipFill>
+          <a:blip r:embed="rId3"/>
+          <a:stretch>
+            <a:fillRect/>
+          </a:stretch>
+        </p:blipFill>
+        <p:spPr>
+          <a:xfrm>
+            <a:off x="5448201" y="1193800"/>
+            <a:ext cx="7260724" cy="4632158"/>
           </a:xfrm>
           <a:prstGeom prst="rect">
             <a:avLst/>
@@ -3734,145 +5272,16 @@
   <p:clrMapOvr>
     <a:masterClrMapping/>
   </p:clrMapOvr>
-  <p:timing>
-    <p:tnLst>
-      <p:par>
-        <p:cTn id="1" dur="indefinite" restart="never" nodeType="tmRoot"/>
-      </p:par>
-    </p:tnLst>
-  </p:timing>
 </p:sld>
 </file>
 
 <file path=ppt/slides/slide4.xml><?xml version="1.0" encoding="utf-8"?>
 <p:sld xmlns:a="http://schemas.openxmlformats.org/drawingml/2006/main" xmlns:r="http://schemas.openxmlformats.org/officeDocument/2006/relationships" xmlns:p="http://schemas.openxmlformats.org/presentationml/2006/main">
   <p:cSld>
-    <p:spTree>
-      <p:nvGrpSpPr>
-        <p:cNvPr id="1" name=""/>
-        <p:cNvGrpSpPr/>
-        <p:nvPr/>
-      </p:nvGrpSpPr>
-      <p:grpSpPr>
-        <a:xfrm>
-          <a:off x="0" y="0"/>
-          <a:ext cx="0" cy="0"/>
-          <a:chOff x="0" y="0"/>
-          <a:chExt cx="0" cy="0"/>
-        </a:xfrm>
-      </p:grpSpPr>
-      <p:pic>
-        <p:nvPicPr>
-          <p:cNvPr id="9" name="Picture 8"/>
-          <p:cNvPicPr>
-            <a:picLocks noChangeAspect="1"/>
-          </p:cNvPicPr>
-          <p:nvPr/>
-        </p:nvPicPr>
-        <p:blipFill>
-          <a:blip r:embed="rId2"/>
-          <a:stretch>
-            <a:fillRect/>
-          </a:stretch>
-        </p:blipFill>
-        <p:spPr>
-          <a:xfrm>
-            <a:off x="789577" y="1584959"/>
-            <a:ext cx="10859589" cy="3740876"/>
-          </a:xfrm>
-          <a:prstGeom prst="rect">
-            <a:avLst/>
-          </a:prstGeom>
-        </p:spPr>
-      </p:pic>
-    </p:spTree>
-    <p:extLst>
-      <p:ext uri="{BB962C8B-B14F-4D97-AF65-F5344CB8AC3E}">
-        <p14:creationId xmlns:p14="http://schemas.microsoft.com/office/powerpoint/2010/main" val="776006501"/>
-      </p:ext>
-    </p:extLst>
-  </p:cSld>
-  <p:clrMapOvr>
-    <a:masterClrMapping/>
-  </p:clrMapOvr>
-  <p:timing>
-    <p:tnLst>
-      <p:par>
-        <p:cTn id="1" dur="indefinite" restart="never" nodeType="tmRoot"/>
-      </p:par>
-    </p:tnLst>
-  </p:timing>
-</p:sld>
-</file>
-
-<file path=ppt/slides/slide5.xml><?xml version="1.0" encoding="utf-8"?>
-<p:sld xmlns:a="http://schemas.openxmlformats.org/drawingml/2006/main" xmlns:r="http://schemas.openxmlformats.org/officeDocument/2006/relationships" xmlns:p="http://schemas.openxmlformats.org/presentationml/2006/main">
-  <p:cSld>
-    <p:spTree>
-      <p:nvGrpSpPr>
-        <p:cNvPr id="1" name=""/>
-        <p:cNvGrpSpPr/>
-        <p:nvPr/>
-      </p:nvGrpSpPr>
-      <p:grpSpPr>
-        <a:xfrm>
-          <a:off x="0" y="0"/>
-          <a:ext cx="0" cy="0"/>
-          <a:chOff x="0" y="0"/>
-          <a:chExt cx="0" cy="0"/>
-        </a:xfrm>
-      </p:grpSpPr>
-      <p:pic>
-        <p:nvPicPr>
-          <p:cNvPr id="3" name="Picture 2"/>
-          <p:cNvPicPr>
-            <a:picLocks noChangeAspect="1"/>
-          </p:cNvPicPr>
-          <p:nvPr/>
-        </p:nvPicPr>
-        <p:blipFill>
-          <a:blip r:embed="rId2"/>
-          <a:stretch>
-            <a:fillRect/>
-          </a:stretch>
-        </p:blipFill>
-        <p:spPr>
-          <a:xfrm>
-            <a:off x="2682478" y="1332411"/>
-            <a:ext cx="5897025" cy="3553097"/>
-          </a:xfrm>
-          <a:prstGeom prst="rect">
-            <a:avLst/>
-          </a:prstGeom>
-        </p:spPr>
-      </p:pic>
-    </p:spTree>
-    <p:extLst>
-      <p:ext uri="{BB962C8B-B14F-4D97-AF65-F5344CB8AC3E}">
-        <p14:creationId xmlns:p14="http://schemas.microsoft.com/office/powerpoint/2010/main" val="678745059"/>
-      </p:ext>
-    </p:extLst>
-  </p:cSld>
-  <p:clrMapOvr>
-    <a:masterClrMapping/>
-  </p:clrMapOvr>
-  <p:timing>
-    <p:tnLst>
-      <p:par>
-        <p:cTn id="1" dur="indefinite" restart="never" nodeType="tmRoot"/>
-      </p:par>
-    </p:tnLst>
-  </p:timing>
-</p:sld>
-</file>
-
-<file path=ppt/slides/slide6.xml><?xml version="1.0" encoding="utf-8"?>
-<p:sld xmlns:a="http://schemas.openxmlformats.org/drawingml/2006/main" xmlns:r="http://schemas.openxmlformats.org/officeDocument/2006/relationships" xmlns:p="http://schemas.openxmlformats.org/presentationml/2006/main">
-  <p:cSld>
     <p:bg>
       <p:bgPr>
         <a:solidFill>
-          <a:schemeClr val="bg1"/>
+          <a:schemeClr val="tx1"/>
         </a:solidFill>
         <a:effectLst/>
       </p:bgPr>
@@ -3893,7 +5302,13 @@
       </p:grpSpPr>
       <p:pic>
         <p:nvPicPr>
-          <p:cNvPr id="5" name="Picture 4"/>
+          <p:cNvPr id="8" name="Picture 7">
+            <a:extLst>
+              <a:ext uri="{FF2B5EF4-FFF2-40B4-BE49-F238E27FC236}">
+                <a16:creationId xmlns:a16="http://schemas.microsoft.com/office/drawing/2014/main" id="{F351F31F-2C21-9147-9F17-EB7BD0EACF23}"/>
+              </a:ext>
+            </a:extLst>
+          </p:cNvPr>
           <p:cNvPicPr>
             <a:picLocks noChangeAspect="1"/>
           </p:cNvPicPr>
@@ -3907,8 +5322,8 @@
         </p:blipFill>
         <p:spPr>
           <a:xfrm>
-            <a:off x="4754879" y="362268"/>
-            <a:ext cx="2952548" cy="6130939"/>
+            <a:off x="1379622" y="0"/>
+            <a:ext cx="9144000" cy="6858000"/>
           </a:xfrm>
           <a:prstGeom prst="rect">
             <a:avLst/>
@@ -3918,30 +5333,23 @@
     </p:spTree>
     <p:extLst>
       <p:ext uri="{BB962C8B-B14F-4D97-AF65-F5344CB8AC3E}">
-        <p14:creationId xmlns:p14="http://schemas.microsoft.com/office/powerpoint/2010/main" val="3775868519"/>
+        <p14:creationId xmlns:p14="http://schemas.microsoft.com/office/powerpoint/2010/main" val="841376224"/>
       </p:ext>
     </p:extLst>
   </p:cSld>
   <p:clrMapOvr>
     <a:masterClrMapping/>
   </p:clrMapOvr>
-  <p:timing>
-    <p:tnLst>
-      <p:par>
-        <p:cTn id="1" dur="indefinite" restart="never" nodeType="tmRoot"/>
-      </p:par>
-    </p:tnLst>
-  </p:timing>
 </p:sld>
 </file>
 
-<file path=ppt/slides/slide7.xml><?xml version="1.0" encoding="utf-8"?>
+<file path=ppt/slides/slide5.xml><?xml version="1.0" encoding="utf-8"?>
 <p:sld xmlns:a="http://schemas.openxmlformats.org/drawingml/2006/main" xmlns:r="http://schemas.openxmlformats.org/officeDocument/2006/relationships" xmlns:p="http://schemas.openxmlformats.org/presentationml/2006/main">
   <p:cSld>
     <p:bg>
       <p:bgPr>
         <a:solidFill>
-          <a:schemeClr val="bg1"/>
+          <a:schemeClr val="tx1"/>
         </a:solidFill>
         <a:effectLst/>
       </p:bgPr>
@@ -3962,7 +5370,13 @@
       </p:grpSpPr>
       <p:pic>
         <p:nvPicPr>
-          <p:cNvPr id="2" name="Picture 1"/>
+          <p:cNvPr id="3" name="Picture 2">
+            <a:extLst>
+              <a:ext uri="{FF2B5EF4-FFF2-40B4-BE49-F238E27FC236}">
+                <a16:creationId xmlns:a16="http://schemas.microsoft.com/office/drawing/2014/main" id="{F0FDB2A1-C687-5A44-B7AE-F76333721933}"/>
+              </a:ext>
+            </a:extLst>
+          </p:cNvPr>
           <p:cNvPicPr>
             <a:picLocks noChangeAspect="1"/>
           </p:cNvPicPr>
@@ -3976,8 +5390,8 @@
         </p:blipFill>
         <p:spPr>
           <a:xfrm>
-            <a:off x="3358721" y="260289"/>
-            <a:ext cx="5062467" cy="6342184"/>
+            <a:off x="2652051" y="-1"/>
+            <a:ext cx="7598854" cy="6870821"/>
           </a:xfrm>
           <a:prstGeom prst="rect">
             <a:avLst/>
@@ -3987,20 +5401,1146 @@
     </p:spTree>
     <p:extLst>
       <p:ext uri="{BB962C8B-B14F-4D97-AF65-F5344CB8AC3E}">
-        <p14:creationId xmlns:p14="http://schemas.microsoft.com/office/powerpoint/2010/main" val="1619878208"/>
+        <p14:creationId xmlns:p14="http://schemas.microsoft.com/office/powerpoint/2010/main" val="3693488506"/>
       </p:ext>
     </p:extLst>
   </p:cSld>
   <p:clrMapOvr>
     <a:masterClrMapping/>
   </p:clrMapOvr>
-  <p:timing>
-    <p:tnLst>
-      <p:par>
-        <p:cTn id="1" dur="indefinite" restart="never" nodeType="tmRoot"/>
-      </p:par>
-    </p:tnLst>
-  </p:timing>
+</p:sld>
+</file>
+
+<file path=ppt/slides/slide6.xml><?xml version="1.0" encoding="utf-8"?>
+<p:sld xmlns:a="http://schemas.openxmlformats.org/drawingml/2006/main" xmlns:r="http://schemas.openxmlformats.org/officeDocument/2006/relationships" xmlns:p="http://schemas.openxmlformats.org/presentationml/2006/main">
+  <p:cSld>
+    <p:bg>
+      <p:bgPr>
+        <a:solidFill>
+          <a:schemeClr val="tx1"/>
+        </a:solidFill>
+        <a:effectLst/>
+      </p:bgPr>
+    </p:bg>
+    <p:spTree>
+      <p:nvGrpSpPr>
+        <p:cNvPr id="1" name=""/>
+        <p:cNvGrpSpPr/>
+        <p:nvPr/>
+      </p:nvGrpSpPr>
+      <p:grpSpPr>
+        <a:xfrm>
+          <a:off x="0" y="0"/>
+          <a:ext cx="0" cy="0"/>
+          <a:chOff x="0" y="0"/>
+          <a:chExt cx="0" cy="0"/>
+        </a:xfrm>
+      </p:grpSpPr>
+      <p:pic>
+        <p:nvPicPr>
+          <p:cNvPr id="2" name="Picture 1">
+            <a:extLst>
+              <a:ext uri="{FF2B5EF4-FFF2-40B4-BE49-F238E27FC236}">
+                <a16:creationId xmlns:a16="http://schemas.microsoft.com/office/drawing/2014/main" id="{EAA5373B-4B44-254F-B403-80A10FBB57F0}"/>
+              </a:ext>
+            </a:extLst>
+          </p:cNvPr>
+          <p:cNvPicPr>
+            <a:picLocks noChangeAspect="1"/>
+          </p:cNvPicPr>
+          <p:nvPr/>
+        </p:nvPicPr>
+        <p:blipFill>
+          <a:blip r:embed="rId2"/>
+          <a:stretch>
+            <a:fillRect/>
+          </a:stretch>
+        </p:blipFill>
+        <p:spPr>
+          <a:xfrm>
+            <a:off x="490275" y="1"/>
+            <a:ext cx="11316829" cy="6857999"/>
+          </a:xfrm>
+          <a:prstGeom prst="rect">
+            <a:avLst/>
+          </a:prstGeom>
+        </p:spPr>
+      </p:pic>
+    </p:spTree>
+    <p:extLst>
+      <p:ext uri="{BB962C8B-B14F-4D97-AF65-F5344CB8AC3E}">
+        <p14:creationId xmlns:p14="http://schemas.microsoft.com/office/powerpoint/2010/main" val="2917910821"/>
+      </p:ext>
+    </p:extLst>
+  </p:cSld>
+  <p:clrMapOvr>
+    <a:masterClrMapping/>
+  </p:clrMapOvr>
+</p:sld>
+</file>
+
+<file path=ppt/slides/slide7.xml><?xml version="1.0" encoding="utf-8"?>
+<p:sld xmlns:a="http://schemas.openxmlformats.org/drawingml/2006/main" xmlns:r="http://schemas.openxmlformats.org/officeDocument/2006/relationships" xmlns:p="http://schemas.openxmlformats.org/presentationml/2006/main">
+  <p:cSld>
+    <p:spTree>
+      <p:nvGrpSpPr>
+        <p:cNvPr id="1" name=""/>
+        <p:cNvGrpSpPr/>
+        <p:nvPr/>
+      </p:nvGrpSpPr>
+      <p:grpSpPr>
+        <a:xfrm>
+          <a:off x="0" y="0"/>
+          <a:ext cx="0" cy="0"/>
+          <a:chOff x="0" y="0"/>
+          <a:chExt cx="0" cy="0"/>
+        </a:xfrm>
+      </p:grpSpPr>
+      <p:sp>
+        <p:nvSpPr>
+          <p:cNvPr id="3" name="TextBox 2">
+            <a:extLst>
+              <a:ext uri="{FF2B5EF4-FFF2-40B4-BE49-F238E27FC236}">
+                <a16:creationId xmlns:a16="http://schemas.microsoft.com/office/drawing/2014/main" id="{049B8419-CEBD-4A47-A333-A3B34E096638}"/>
+              </a:ext>
+            </a:extLst>
+          </p:cNvPr>
+          <p:cNvSpPr txBox="1"/>
+          <p:nvPr/>
+        </p:nvSpPr>
+        <p:spPr>
+          <a:xfrm>
+            <a:off x="2751836" y="2199279"/>
+            <a:ext cx="7710826" cy="2585323"/>
+          </a:xfrm>
+          <a:prstGeom prst="rect">
+            <a:avLst/>
+          </a:prstGeom>
+          <a:noFill/>
+        </p:spPr>
+        <p:txBody>
+          <a:bodyPr wrap="square" rtlCol="0">
+            <a:spAutoFit/>
+          </a:bodyPr>
+          <a:lstStyle/>
+          <a:p>
+            <a:pPr marL="285750" indent="-285750">
+              <a:buFont typeface="Arial" panose="020B0604020202020204" pitchFamily="34" charset="0"/>
+              <a:buChar char="•"/>
+            </a:pPr>
+            <a:r>
+              <a:rPr lang="fi-FI" b="1" dirty="0" err="1">
+                <a:latin typeface="Arial" panose="020B0604020202020204" pitchFamily="34" charset="0"/>
+                <a:cs typeface="Arial" panose="020B0604020202020204" pitchFamily="34" charset="0"/>
+              </a:rPr>
+              <a:t>All</a:t>
+            </a:r>
+            <a:r>
+              <a:rPr lang="fi-FI" b="1" dirty="0">
+                <a:latin typeface="Arial" panose="020B0604020202020204" pitchFamily="34" charset="0"/>
+                <a:cs typeface="Arial" panose="020B0604020202020204" pitchFamily="34" charset="0"/>
+              </a:rPr>
+              <a:t> </a:t>
+            </a:r>
+            <a:r>
+              <a:rPr lang="fi-FI" b="1" dirty="0" err="1">
+                <a:latin typeface="Arial" panose="020B0604020202020204" pitchFamily="34" charset="0"/>
+                <a:cs typeface="Arial" panose="020B0604020202020204" pitchFamily="34" charset="0"/>
+              </a:rPr>
+              <a:t>database</a:t>
+            </a:r>
+            <a:r>
+              <a:rPr lang="fi-FI" b="1" dirty="0">
+                <a:latin typeface="Arial" panose="020B0604020202020204" pitchFamily="34" charset="0"/>
+                <a:cs typeface="Arial" panose="020B0604020202020204" pitchFamily="34" charset="0"/>
+              </a:rPr>
+              <a:t> </a:t>
+            </a:r>
+            <a:r>
+              <a:rPr lang="fi-FI" b="1" dirty="0" err="1">
+                <a:latin typeface="Arial" panose="020B0604020202020204" pitchFamily="34" charset="0"/>
+                <a:cs typeface="Arial" panose="020B0604020202020204" pitchFamily="34" charset="0"/>
+              </a:rPr>
+              <a:t>versions</a:t>
+            </a:r>
+            <a:r>
+              <a:rPr lang="fi-FI" b="1" dirty="0">
+                <a:latin typeface="Arial" panose="020B0604020202020204" pitchFamily="34" charset="0"/>
+                <a:cs typeface="Arial" panose="020B0604020202020204" pitchFamily="34" charset="0"/>
+              </a:rPr>
+              <a:t> </a:t>
+            </a:r>
+            <a:r>
+              <a:rPr lang="fi-FI" b="1" dirty="0" err="1">
+                <a:latin typeface="Arial" panose="020B0604020202020204" pitchFamily="34" charset="0"/>
+                <a:cs typeface="Arial" panose="020B0604020202020204" pitchFamily="34" charset="0"/>
+              </a:rPr>
+              <a:t>stay</a:t>
+            </a:r>
+            <a:r>
+              <a:rPr lang="fi-FI" b="1" dirty="0">
+                <a:latin typeface="Arial" panose="020B0604020202020204" pitchFamily="34" charset="0"/>
+                <a:cs typeface="Arial" panose="020B0604020202020204" pitchFamily="34" charset="0"/>
+              </a:rPr>
+              <a:t> </a:t>
+            </a:r>
+            <a:r>
+              <a:rPr lang="fi-FI" b="1" dirty="0" err="1">
+                <a:latin typeface="Arial" panose="020B0604020202020204" pitchFamily="34" charset="0"/>
+                <a:cs typeface="Arial" panose="020B0604020202020204" pitchFamily="34" charset="0"/>
+              </a:rPr>
+              <a:t>indexed</a:t>
+            </a:r>
+            <a:endParaRPr lang="fi-FI" b="1" dirty="0">
+              <a:latin typeface="Arial" panose="020B0604020202020204" pitchFamily="34" charset="0"/>
+              <a:cs typeface="Arial" panose="020B0604020202020204" pitchFamily="34" charset="0"/>
+            </a:endParaRPr>
+          </a:p>
+          <a:p>
+            <a:pPr marL="742950" lvl="1" indent="-285750">
+              <a:buFont typeface="Arial" panose="020B0604020202020204" pitchFamily="34" charset="0"/>
+              <a:buChar char="•"/>
+            </a:pPr>
+            <a:r>
+              <a:rPr lang="fi-FI" dirty="0">
+                <a:latin typeface="Arial" panose="020B0604020202020204" pitchFamily="34" charset="0"/>
+                <a:cs typeface="Arial" panose="020B0604020202020204" pitchFamily="34" charset="0"/>
+              </a:rPr>
+              <a:t>No </a:t>
+            </a:r>
+            <a:r>
+              <a:rPr lang="fi-FI" dirty="0" err="1">
+                <a:latin typeface="Arial" panose="020B0604020202020204" pitchFamily="34" charset="0"/>
+                <a:cs typeface="Arial" panose="020B0604020202020204" pitchFamily="34" charset="0"/>
+              </a:rPr>
+              <a:t>read</a:t>
+            </a:r>
+            <a:r>
+              <a:rPr lang="fi-FI" dirty="0">
+                <a:latin typeface="Arial" panose="020B0604020202020204" pitchFamily="34" charset="0"/>
+                <a:cs typeface="Arial" panose="020B0604020202020204" pitchFamily="34" charset="0"/>
+              </a:rPr>
+              <a:t> </a:t>
+            </a:r>
+            <a:r>
+              <a:rPr lang="fi-FI" dirty="0" err="1">
+                <a:latin typeface="Arial" panose="020B0604020202020204" pitchFamily="34" charset="0"/>
+                <a:cs typeface="Arial" panose="020B0604020202020204" pitchFamily="34" charset="0"/>
+              </a:rPr>
+              <a:t>locks</a:t>
+            </a:r>
+            <a:r>
+              <a:rPr lang="fi-FI" dirty="0">
+                <a:latin typeface="Arial" panose="020B0604020202020204" pitchFamily="34" charset="0"/>
+                <a:cs typeface="Arial" panose="020B0604020202020204" pitchFamily="34" charset="0"/>
+              </a:rPr>
+              <a:t> </a:t>
+            </a:r>
+            <a:r>
+              <a:rPr lang="fi-FI" dirty="0" err="1">
+                <a:latin typeface="Arial" panose="020B0604020202020204" pitchFamily="34" charset="0"/>
+                <a:cs typeface="Arial" panose="020B0604020202020204" pitchFamily="34" charset="0"/>
+              </a:rPr>
+              <a:t>needed</a:t>
+            </a:r>
+            <a:r>
+              <a:rPr lang="fi-FI" dirty="0">
+                <a:latin typeface="Arial" panose="020B0604020202020204" pitchFamily="34" charset="0"/>
+                <a:cs typeface="Arial" panose="020B0604020202020204" pitchFamily="34" charset="0"/>
+              </a:rPr>
+              <a:t> for </a:t>
+            </a:r>
+            <a:r>
+              <a:rPr lang="fi-FI" dirty="0" err="1">
+                <a:latin typeface="Arial" panose="020B0604020202020204" pitchFamily="34" charset="0"/>
+                <a:cs typeface="Arial" panose="020B0604020202020204" pitchFamily="34" charset="0"/>
+              </a:rPr>
+              <a:t>consistent</a:t>
+            </a:r>
+            <a:r>
+              <a:rPr lang="fi-FI" dirty="0">
+                <a:latin typeface="Arial" panose="020B0604020202020204" pitchFamily="34" charset="0"/>
+                <a:cs typeface="Arial" panose="020B0604020202020204" pitchFamily="34" charset="0"/>
+              </a:rPr>
+              <a:t> </a:t>
+            </a:r>
+            <a:r>
+              <a:rPr lang="fi-FI" dirty="0" err="1">
+                <a:latin typeface="Arial" panose="020B0604020202020204" pitchFamily="34" charset="0"/>
+                <a:cs typeface="Arial" panose="020B0604020202020204" pitchFamily="34" charset="0"/>
+              </a:rPr>
+              <a:t>reads</a:t>
+            </a:r>
+            <a:endParaRPr lang="fi-FI" dirty="0">
+              <a:latin typeface="Arial" panose="020B0604020202020204" pitchFamily="34" charset="0"/>
+              <a:cs typeface="Arial" panose="020B0604020202020204" pitchFamily="34" charset="0"/>
+            </a:endParaRPr>
+          </a:p>
+          <a:p>
+            <a:pPr marL="742950" lvl="1" indent="-285750">
+              <a:buFont typeface="Arial" panose="020B0604020202020204" pitchFamily="34" charset="0"/>
+              <a:buChar char="•"/>
+            </a:pPr>
+            <a:r>
+              <a:rPr lang="fi-FI" dirty="0" err="1">
+                <a:latin typeface="Arial" panose="020B0604020202020204" pitchFamily="34" charset="0"/>
+                <a:cs typeface="Arial" panose="020B0604020202020204" pitchFamily="34" charset="0"/>
+              </a:rPr>
+              <a:t>The</a:t>
+            </a:r>
+            <a:r>
+              <a:rPr lang="fi-FI" dirty="0">
+                <a:latin typeface="Arial" panose="020B0604020202020204" pitchFamily="34" charset="0"/>
+                <a:cs typeface="Arial" panose="020B0604020202020204" pitchFamily="34" charset="0"/>
+              </a:rPr>
+              <a:t> </a:t>
+            </a:r>
+            <a:r>
+              <a:rPr lang="fi-FI" dirty="0" err="1">
+                <a:latin typeface="Arial" panose="020B0604020202020204" pitchFamily="34" charset="0"/>
+                <a:cs typeface="Arial" panose="020B0604020202020204" pitchFamily="34" charset="0"/>
+              </a:rPr>
+              <a:t>whole</a:t>
+            </a:r>
+            <a:r>
+              <a:rPr lang="fi-FI" dirty="0">
+                <a:latin typeface="Arial" panose="020B0604020202020204" pitchFamily="34" charset="0"/>
+                <a:cs typeface="Arial" panose="020B0604020202020204" pitchFamily="34" charset="0"/>
+              </a:rPr>
+              <a:t> </a:t>
+            </a:r>
+            <a:r>
+              <a:rPr lang="fi-FI" dirty="0" err="1">
+                <a:latin typeface="Arial" panose="020B0604020202020204" pitchFamily="34" charset="0"/>
+                <a:cs typeface="Arial" panose="020B0604020202020204" pitchFamily="34" charset="0"/>
+              </a:rPr>
+              <a:t>database</a:t>
+            </a:r>
+            <a:r>
+              <a:rPr lang="fi-FI" dirty="0">
+                <a:latin typeface="Arial" panose="020B0604020202020204" pitchFamily="34" charset="0"/>
+                <a:cs typeface="Arial" panose="020B0604020202020204" pitchFamily="34" charset="0"/>
+              </a:rPr>
+              <a:t> </a:t>
+            </a:r>
+            <a:r>
+              <a:rPr lang="fi-FI" dirty="0" err="1">
+                <a:latin typeface="Arial" panose="020B0604020202020204" pitchFamily="34" charset="0"/>
+                <a:cs typeface="Arial" panose="020B0604020202020204" pitchFamily="34" charset="0"/>
+              </a:rPr>
+              <a:t>can</a:t>
+            </a:r>
+            <a:r>
+              <a:rPr lang="fi-FI" dirty="0">
+                <a:latin typeface="Arial" panose="020B0604020202020204" pitchFamily="34" charset="0"/>
+                <a:cs typeface="Arial" panose="020B0604020202020204" pitchFamily="34" charset="0"/>
+              </a:rPr>
+              <a:t> </a:t>
+            </a:r>
+            <a:r>
+              <a:rPr lang="fi-FI" dirty="0" err="1">
+                <a:latin typeface="Arial" panose="020B0604020202020204" pitchFamily="34" charset="0"/>
+                <a:cs typeface="Arial" panose="020B0604020202020204" pitchFamily="34" charset="0"/>
+              </a:rPr>
+              <a:t>be</a:t>
+            </a:r>
+            <a:r>
+              <a:rPr lang="fi-FI" dirty="0">
+                <a:latin typeface="Arial" panose="020B0604020202020204" pitchFamily="34" charset="0"/>
+                <a:cs typeface="Arial" panose="020B0604020202020204" pitchFamily="34" charset="0"/>
+              </a:rPr>
+              <a:t> </a:t>
+            </a:r>
+            <a:r>
+              <a:rPr lang="fi-FI" dirty="0" err="1">
+                <a:latin typeface="Arial" panose="020B0604020202020204" pitchFamily="34" charset="0"/>
+                <a:cs typeface="Arial" panose="020B0604020202020204" pitchFamily="34" charset="0"/>
+              </a:rPr>
+              <a:t>threated</a:t>
+            </a:r>
+            <a:r>
+              <a:rPr lang="fi-FI" dirty="0">
+                <a:latin typeface="Arial" panose="020B0604020202020204" pitchFamily="34" charset="0"/>
+                <a:cs typeface="Arial" panose="020B0604020202020204" pitchFamily="34" charset="0"/>
+              </a:rPr>
+              <a:t> as an </a:t>
+            </a:r>
+            <a:r>
+              <a:rPr lang="fi-FI" dirty="0" err="1">
+                <a:latin typeface="Arial" panose="020B0604020202020204" pitchFamily="34" charset="0"/>
+                <a:cs typeface="Arial" panose="020B0604020202020204" pitchFamily="34" charset="0"/>
+              </a:rPr>
+              <a:t>immutable</a:t>
+            </a:r>
+            <a:r>
+              <a:rPr lang="fi-FI" dirty="0">
+                <a:latin typeface="Arial" panose="020B0604020202020204" pitchFamily="34" charset="0"/>
+                <a:cs typeface="Arial" panose="020B0604020202020204" pitchFamily="34" charset="0"/>
+              </a:rPr>
+              <a:t> </a:t>
+            </a:r>
+            <a:r>
+              <a:rPr lang="fi-FI" dirty="0" err="1">
+                <a:latin typeface="Arial" panose="020B0604020202020204" pitchFamily="34" charset="0"/>
+                <a:cs typeface="Arial" panose="020B0604020202020204" pitchFamily="34" charset="0"/>
+              </a:rPr>
+              <a:t>value</a:t>
+            </a:r>
+            <a:endParaRPr lang="fi-FI" dirty="0">
+              <a:latin typeface="Arial" panose="020B0604020202020204" pitchFamily="34" charset="0"/>
+              <a:cs typeface="Arial" panose="020B0604020202020204" pitchFamily="34" charset="0"/>
+            </a:endParaRPr>
+          </a:p>
+          <a:p>
+            <a:pPr marL="285750" indent="-285750">
+              <a:buFont typeface="Arial" panose="020B0604020202020204" pitchFamily="34" charset="0"/>
+              <a:buChar char="•"/>
+            </a:pPr>
+            <a:r>
+              <a:rPr lang="fi-FI" b="1" dirty="0" err="1">
+                <a:latin typeface="Arial" panose="020B0604020202020204" pitchFamily="34" charset="0"/>
+                <a:cs typeface="Arial" panose="020B0604020202020204" pitchFamily="34" charset="0"/>
+              </a:rPr>
+              <a:t>Indexes</a:t>
+            </a:r>
+            <a:r>
+              <a:rPr lang="fi-FI" b="1" dirty="0">
+                <a:latin typeface="Arial" panose="020B0604020202020204" pitchFamily="34" charset="0"/>
+                <a:cs typeface="Arial" panose="020B0604020202020204" pitchFamily="34" charset="0"/>
+              </a:rPr>
+              <a:t> </a:t>
+            </a:r>
+            <a:r>
+              <a:rPr lang="fi-FI" b="1" dirty="0" err="1">
+                <a:latin typeface="Arial" panose="020B0604020202020204" pitchFamily="34" charset="0"/>
+                <a:cs typeface="Arial" panose="020B0604020202020204" pitchFamily="34" charset="0"/>
+              </a:rPr>
+              <a:t>consist</a:t>
+            </a:r>
+            <a:r>
+              <a:rPr lang="fi-FI" b="1" dirty="0">
+                <a:latin typeface="Arial" panose="020B0604020202020204" pitchFamily="34" charset="0"/>
+                <a:cs typeface="Arial" panose="020B0604020202020204" pitchFamily="34" charset="0"/>
+              </a:rPr>
+              <a:t> of </a:t>
+            </a:r>
+            <a:r>
+              <a:rPr lang="fi-FI" b="1" dirty="0" err="1">
+                <a:latin typeface="Arial" panose="020B0604020202020204" pitchFamily="34" charset="0"/>
+                <a:cs typeface="Arial" panose="020B0604020202020204" pitchFamily="34" charset="0"/>
+              </a:rPr>
+              <a:t>highly</a:t>
+            </a:r>
+            <a:r>
+              <a:rPr lang="fi-FI" b="1" dirty="0">
+                <a:latin typeface="Arial" panose="020B0604020202020204" pitchFamily="34" charset="0"/>
+                <a:cs typeface="Arial" panose="020B0604020202020204" pitchFamily="34" charset="0"/>
+              </a:rPr>
+              <a:t> </a:t>
+            </a:r>
+            <a:r>
+              <a:rPr lang="fi-FI" b="1" dirty="0" err="1">
+                <a:latin typeface="Arial" panose="020B0604020202020204" pitchFamily="34" charset="0"/>
+                <a:cs typeface="Arial" panose="020B0604020202020204" pitchFamily="34" charset="0"/>
+              </a:rPr>
+              <a:t>cacheable</a:t>
+            </a:r>
+            <a:r>
+              <a:rPr lang="fi-FI" b="1" dirty="0">
+                <a:latin typeface="Arial" panose="020B0604020202020204" pitchFamily="34" charset="0"/>
+                <a:cs typeface="Arial" panose="020B0604020202020204" pitchFamily="34" charset="0"/>
+              </a:rPr>
+              <a:t> </a:t>
+            </a:r>
+            <a:r>
+              <a:rPr lang="fi-FI" b="1" dirty="0" err="1">
+                <a:latin typeface="Arial" panose="020B0604020202020204" pitchFamily="34" charset="0"/>
+                <a:cs typeface="Arial" panose="020B0604020202020204" pitchFamily="34" charset="0"/>
+              </a:rPr>
+              <a:t>segments</a:t>
+            </a:r>
+            <a:endParaRPr lang="fi-FI" b="1" dirty="0">
+              <a:latin typeface="Arial" panose="020B0604020202020204" pitchFamily="34" charset="0"/>
+              <a:cs typeface="Arial" panose="020B0604020202020204" pitchFamily="34" charset="0"/>
+            </a:endParaRPr>
+          </a:p>
+          <a:p>
+            <a:pPr marL="742950" lvl="1" indent="-285750">
+              <a:buFont typeface="Arial" panose="020B0604020202020204" pitchFamily="34" charset="0"/>
+              <a:buChar char="•"/>
+            </a:pPr>
+            <a:r>
+              <a:rPr lang="fi-FI" dirty="0" err="1">
+                <a:latin typeface="Arial" panose="020B0604020202020204" pitchFamily="34" charset="0"/>
+                <a:cs typeface="Arial" panose="020B0604020202020204" pitchFamily="34" charset="0"/>
+              </a:rPr>
+              <a:t>read</a:t>
+            </a:r>
+            <a:r>
+              <a:rPr lang="fi-FI" dirty="0">
+                <a:latin typeface="Arial" panose="020B0604020202020204" pitchFamily="34" charset="0"/>
+                <a:cs typeface="Arial" panose="020B0604020202020204" pitchFamily="34" charset="0"/>
+              </a:rPr>
+              <a:t> </a:t>
+            </a:r>
+            <a:r>
+              <a:rPr lang="fi-FI" dirty="0" err="1">
+                <a:latin typeface="Arial" panose="020B0604020202020204" pitchFamily="34" charset="0"/>
+                <a:cs typeface="Arial" panose="020B0604020202020204" pitchFamily="34" charset="0"/>
+              </a:rPr>
+              <a:t>can</a:t>
+            </a:r>
+            <a:r>
+              <a:rPr lang="fi-FI" dirty="0">
+                <a:latin typeface="Arial" panose="020B0604020202020204" pitchFamily="34" charset="0"/>
+                <a:cs typeface="Arial" panose="020B0604020202020204" pitchFamily="34" charset="0"/>
+              </a:rPr>
+              <a:t> </a:t>
+            </a:r>
+            <a:r>
+              <a:rPr lang="fi-FI" dirty="0" err="1">
+                <a:latin typeface="Arial" panose="020B0604020202020204" pitchFamily="34" charset="0"/>
+                <a:cs typeface="Arial" panose="020B0604020202020204" pitchFamily="34" charset="0"/>
+              </a:rPr>
+              <a:t>be</a:t>
+            </a:r>
+            <a:r>
+              <a:rPr lang="fi-FI" dirty="0">
+                <a:latin typeface="Arial" panose="020B0604020202020204" pitchFamily="34" charset="0"/>
+                <a:cs typeface="Arial" panose="020B0604020202020204" pitchFamily="34" charset="0"/>
+              </a:rPr>
+              <a:t> </a:t>
+            </a:r>
+            <a:r>
+              <a:rPr lang="fi-FI" dirty="0" err="1">
+                <a:latin typeface="Arial" panose="020B0604020202020204" pitchFamily="34" charset="0"/>
+                <a:cs typeface="Arial" panose="020B0604020202020204" pitchFamily="34" charset="0"/>
+              </a:rPr>
+              <a:t>scaled</a:t>
+            </a:r>
+            <a:r>
+              <a:rPr lang="fi-FI" dirty="0">
+                <a:latin typeface="Arial" panose="020B0604020202020204" pitchFamily="34" charset="0"/>
+                <a:cs typeface="Arial" panose="020B0604020202020204" pitchFamily="34" charset="0"/>
+              </a:rPr>
+              <a:t> to </a:t>
+            </a:r>
+            <a:r>
+              <a:rPr lang="fi-FI" dirty="0" err="1">
+                <a:latin typeface="Arial" panose="020B0604020202020204" pitchFamily="34" charset="0"/>
+                <a:cs typeface="Arial" panose="020B0604020202020204" pitchFamily="34" charset="0"/>
+              </a:rPr>
+              <a:t>multiple</a:t>
+            </a:r>
+            <a:r>
+              <a:rPr lang="fi-FI" dirty="0">
+                <a:latin typeface="Arial" panose="020B0604020202020204" pitchFamily="34" charset="0"/>
+                <a:cs typeface="Arial" panose="020B0604020202020204" pitchFamily="34" charset="0"/>
+              </a:rPr>
+              <a:t> </a:t>
+            </a:r>
+            <a:r>
+              <a:rPr lang="fi-FI" dirty="0" err="1">
+                <a:latin typeface="Arial" panose="020B0604020202020204" pitchFamily="34" charset="0"/>
+                <a:cs typeface="Arial" panose="020B0604020202020204" pitchFamily="34" charset="0"/>
+              </a:rPr>
+              <a:t>machines</a:t>
+            </a:r>
+            <a:endParaRPr lang="fi-FI" dirty="0">
+              <a:latin typeface="Arial" panose="020B0604020202020204" pitchFamily="34" charset="0"/>
+              <a:cs typeface="Arial" panose="020B0604020202020204" pitchFamily="34" charset="0"/>
+            </a:endParaRPr>
+          </a:p>
+          <a:p>
+            <a:pPr marL="285750" indent="-285750">
+              <a:buFont typeface="Arial" panose="020B0604020202020204" pitchFamily="34" charset="0"/>
+              <a:buChar char="•"/>
+            </a:pPr>
+            <a:r>
+              <a:rPr lang="fi-FI" b="1" dirty="0" err="1">
+                <a:latin typeface="Arial" panose="020B0604020202020204" pitchFamily="34" charset="0"/>
+                <a:cs typeface="Arial" panose="020B0604020202020204" pitchFamily="34" charset="0"/>
+              </a:rPr>
+              <a:t>schema</a:t>
+            </a:r>
+            <a:r>
+              <a:rPr lang="fi-FI" b="1" dirty="0">
+                <a:latin typeface="Arial" panose="020B0604020202020204" pitchFamily="34" charset="0"/>
+                <a:cs typeface="Arial" panose="020B0604020202020204" pitchFamily="34" charset="0"/>
+              </a:rPr>
+              <a:t> is </a:t>
+            </a:r>
+            <a:r>
+              <a:rPr lang="fi-FI" b="1" dirty="0" err="1">
+                <a:latin typeface="Arial" panose="020B0604020202020204" pitchFamily="34" charset="0"/>
+                <a:cs typeface="Arial" panose="020B0604020202020204" pitchFamily="34" charset="0"/>
+              </a:rPr>
+              <a:t>optional</a:t>
+            </a:r>
+            <a:endParaRPr lang="fi-FI" b="1" dirty="0">
+              <a:latin typeface="Arial" panose="020B0604020202020204" pitchFamily="34" charset="0"/>
+              <a:cs typeface="Arial" panose="020B0604020202020204" pitchFamily="34" charset="0"/>
+            </a:endParaRPr>
+          </a:p>
+          <a:p>
+            <a:pPr marL="742950" lvl="1" indent="-285750">
+              <a:buFont typeface="Arial" panose="020B0604020202020204" pitchFamily="34" charset="0"/>
+              <a:buChar char="•"/>
+            </a:pPr>
+            <a:r>
+              <a:rPr lang="fi-FI" dirty="0" err="1">
+                <a:latin typeface="Arial" panose="020B0604020202020204" pitchFamily="34" charset="0"/>
+                <a:cs typeface="Arial" panose="020B0604020202020204" pitchFamily="34" charset="0"/>
+              </a:rPr>
+              <a:t>any</a:t>
+            </a:r>
+            <a:r>
+              <a:rPr lang="fi-FI" dirty="0">
+                <a:latin typeface="Arial" panose="020B0604020202020204" pitchFamily="34" charset="0"/>
+                <a:cs typeface="Arial" panose="020B0604020202020204" pitchFamily="34" charset="0"/>
+              </a:rPr>
+              <a:t> </a:t>
+            </a:r>
+            <a:r>
+              <a:rPr lang="fi-FI" dirty="0" err="1">
+                <a:latin typeface="Arial" panose="020B0604020202020204" pitchFamily="34" charset="0"/>
+                <a:cs typeface="Arial" panose="020B0604020202020204" pitchFamily="34" charset="0"/>
+              </a:rPr>
+              <a:t>entity</a:t>
+            </a:r>
+            <a:r>
+              <a:rPr lang="fi-FI" dirty="0">
+                <a:latin typeface="Arial" panose="020B0604020202020204" pitchFamily="34" charset="0"/>
+                <a:cs typeface="Arial" panose="020B0604020202020204" pitchFamily="34" charset="0"/>
+              </a:rPr>
+              <a:t> </a:t>
+            </a:r>
+            <a:r>
+              <a:rPr lang="fi-FI" dirty="0" err="1">
+                <a:latin typeface="Arial" panose="020B0604020202020204" pitchFamily="34" charset="0"/>
+                <a:cs typeface="Arial" panose="020B0604020202020204" pitchFamily="34" charset="0"/>
+              </a:rPr>
+              <a:t>can</a:t>
+            </a:r>
+            <a:r>
+              <a:rPr lang="fi-FI" dirty="0">
+                <a:latin typeface="Arial" panose="020B0604020202020204" pitchFamily="34" charset="0"/>
+                <a:cs typeface="Arial" panose="020B0604020202020204" pitchFamily="34" charset="0"/>
+              </a:rPr>
+              <a:t> </a:t>
+            </a:r>
+            <a:r>
+              <a:rPr lang="fi-FI" dirty="0" err="1">
+                <a:latin typeface="Arial" panose="020B0604020202020204" pitchFamily="34" charset="0"/>
+                <a:cs typeface="Arial" panose="020B0604020202020204" pitchFamily="34" charset="0"/>
+              </a:rPr>
+              <a:t>have</a:t>
+            </a:r>
+            <a:r>
+              <a:rPr lang="fi-FI" dirty="0">
+                <a:latin typeface="Arial" panose="020B0604020202020204" pitchFamily="34" charset="0"/>
+                <a:cs typeface="Arial" panose="020B0604020202020204" pitchFamily="34" charset="0"/>
+              </a:rPr>
+              <a:t> </a:t>
+            </a:r>
+            <a:r>
+              <a:rPr lang="fi-FI" dirty="0" err="1">
+                <a:latin typeface="Arial" panose="020B0604020202020204" pitchFamily="34" charset="0"/>
+                <a:cs typeface="Arial" panose="020B0604020202020204" pitchFamily="34" charset="0"/>
+              </a:rPr>
+              <a:t>any</a:t>
+            </a:r>
+            <a:r>
+              <a:rPr lang="fi-FI" dirty="0">
+                <a:latin typeface="Arial" panose="020B0604020202020204" pitchFamily="34" charset="0"/>
+                <a:cs typeface="Arial" panose="020B0604020202020204" pitchFamily="34" charset="0"/>
+              </a:rPr>
+              <a:t> </a:t>
+            </a:r>
+            <a:r>
+              <a:rPr lang="fi-FI" dirty="0" err="1">
+                <a:latin typeface="Arial" panose="020B0604020202020204" pitchFamily="34" charset="0"/>
+                <a:cs typeface="Arial" panose="020B0604020202020204" pitchFamily="34" charset="0"/>
+              </a:rPr>
+              <a:t>attributes</a:t>
+            </a:r>
+            <a:endParaRPr lang="fi-FI" dirty="0">
+              <a:latin typeface="Arial" panose="020B0604020202020204" pitchFamily="34" charset="0"/>
+              <a:cs typeface="Arial" panose="020B0604020202020204" pitchFamily="34" charset="0"/>
+            </a:endParaRPr>
+          </a:p>
+          <a:p>
+            <a:pPr marL="285750" indent="-285750">
+              <a:buFont typeface="Arial" panose="020B0604020202020204" pitchFamily="34" charset="0"/>
+              <a:buChar char="•"/>
+            </a:pPr>
+            <a:r>
+              <a:rPr lang="fi-FI" b="1" dirty="0" err="1">
+                <a:latin typeface="Arial" panose="020B0604020202020204" pitchFamily="34" charset="0"/>
+                <a:cs typeface="Arial" panose="020B0604020202020204" pitchFamily="34" charset="0"/>
+              </a:rPr>
+              <a:t>branching</a:t>
+            </a:r>
+            <a:r>
+              <a:rPr lang="fi-FI" b="1" dirty="0">
+                <a:latin typeface="Arial" panose="020B0604020202020204" pitchFamily="34" charset="0"/>
+                <a:cs typeface="Arial" panose="020B0604020202020204" pitchFamily="34" charset="0"/>
+              </a:rPr>
+              <a:t> and </a:t>
+            </a:r>
+            <a:r>
+              <a:rPr lang="fi-FI" b="1" dirty="0" err="1">
+                <a:latin typeface="Arial" panose="020B0604020202020204" pitchFamily="34" charset="0"/>
+                <a:cs typeface="Arial" panose="020B0604020202020204" pitchFamily="34" charset="0"/>
+              </a:rPr>
+              <a:t>merging</a:t>
+            </a:r>
+            <a:r>
+              <a:rPr lang="fi-FI" b="1" dirty="0">
+                <a:latin typeface="Arial" panose="020B0604020202020204" pitchFamily="34" charset="0"/>
+                <a:cs typeface="Arial" panose="020B0604020202020204" pitchFamily="34" charset="0"/>
+              </a:rPr>
+              <a:t> </a:t>
+            </a:r>
+            <a:r>
+              <a:rPr lang="fi-FI" b="1" dirty="0" err="1">
+                <a:latin typeface="Arial" panose="020B0604020202020204" pitchFamily="34" charset="0"/>
+                <a:cs typeface="Arial" panose="020B0604020202020204" pitchFamily="34" charset="0"/>
+              </a:rPr>
+              <a:t>are</a:t>
+            </a:r>
+            <a:r>
+              <a:rPr lang="fi-FI" b="1" dirty="0">
+                <a:latin typeface="Arial" panose="020B0604020202020204" pitchFamily="34" charset="0"/>
+                <a:cs typeface="Arial" panose="020B0604020202020204" pitchFamily="34" charset="0"/>
+              </a:rPr>
+              <a:t> </a:t>
+            </a:r>
+            <a:r>
+              <a:rPr lang="fi-FI" b="1" dirty="0" err="1">
+                <a:latin typeface="Arial" panose="020B0604020202020204" pitchFamily="34" charset="0"/>
+                <a:cs typeface="Arial" panose="020B0604020202020204" pitchFamily="34" charset="0"/>
+              </a:rPr>
+              <a:t>possible</a:t>
+            </a:r>
+            <a:endParaRPr lang="fi-FI" b="1" dirty="0">
+              <a:latin typeface="Arial" panose="020B0604020202020204" pitchFamily="34" charset="0"/>
+              <a:cs typeface="Arial" panose="020B0604020202020204" pitchFamily="34" charset="0"/>
+            </a:endParaRPr>
+          </a:p>
+          <a:p>
+            <a:pPr marL="285750" indent="-285750">
+              <a:buFont typeface="Arial" panose="020B0604020202020204" pitchFamily="34" charset="0"/>
+              <a:buChar char="•"/>
+            </a:pPr>
+            <a:endParaRPr lang="fi-FI" dirty="0">
+              <a:latin typeface="Arial" panose="020B0604020202020204" pitchFamily="34" charset="0"/>
+              <a:cs typeface="Arial" panose="020B0604020202020204" pitchFamily="34" charset="0"/>
+            </a:endParaRPr>
+          </a:p>
+        </p:txBody>
+      </p:sp>
+      <p:sp>
+        <p:nvSpPr>
+          <p:cNvPr id="4" name="TextBox 3">
+            <a:extLst>
+              <a:ext uri="{FF2B5EF4-FFF2-40B4-BE49-F238E27FC236}">
+                <a16:creationId xmlns:a16="http://schemas.microsoft.com/office/drawing/2014/main" id="{C531EDF7-6ED3-E14E-BDA5-B07BD754DF3C}"/>
+              </a:ext>
+            </a:extLst>
+          </p:cNvPr>
+          <p:cNvSpPr txBox="1"/>
+          <p:nvPr/>
+        </p:nvSpPr>
+        <p:spPr>
+          <a:xfrm>
+            <a:off x="1195456" y="729533"/>
+            <a:ext cx="10110976" cy="646331"/>
+          </a:xfrm>
+          <a:prstGeom prst="rect">
+            <a:avLst/>
+          </a:prstGeom>
+          <a:noFill/>
+        </p:spPr>
+        <p:txBody>
+          <a:bodyPr wrap="square" rtlCol="0">
+            <a:spAutoFit/>
+          </a:bodyPr>
+          <a:lstStyle/>
+          <a:p>
+            <a:pPr algn="ctr"/>
+            <a:r>
+              <a:rPr lang="fi-FI" sz="3600" b="1" dirty="0" err="1"/>
+              <a:t>Database</a:t>
+            </a:r>
+            <a:r>
+              <a:rPr lang="fi-FI" sz="3600" b="1" dirty="0"/>
+              <a:t> as a </a:t>
+            </a:r>
+            <a:r>
+              <a:rPr lang="fi-FI" sz="3600" b="1" dirty="0" err="1"/>
+              <a:t>git</a:t>
+            </a:r>
+            <a:r>
+              <a:rPr lang="fi-FI" sz="3600" b="1" dirty="0"/>
+              <a:t> </a:t>
+            </a:r>
+            <a:r>
+              <a:rPr lang="fi-FI" sz="3600" b="1" dirty="0" err="1"/>
+              <a:t>like</a:t>
+            </a:r>
+            <a:r>
+              <a:rPr lang="fi-FI" sz="3600" b="1" dirty="0"/>
+              <a:t> </a:t>
+            </a:r>
+            <a:r>
+              <a:rPr lang="fi-FI" sz="3600" b="1" dirty="0" err="1"/>
+              <a:t>immutable</a:t>
+            </a:r>
+            <a:r>
+              <a:rPr lang="fi-FI" sz="3600" b="1" dirty="0"/>
+              <a:t> data </a:t>
+            </a:r>
+            <a:r>
+              <a:rPr lang="fi-FI" sz="3600" b="1" dirty="0" err="1"/>
+              <a:t>structure</a:t>
+            </a:r>
+            <a:endParaRPr lang="fi-FI" sz="3600" dirty="0"/>
+          </a:p>
+        </p:txBody>
+      </p:sp>
+    </p:spTree>
+    <p:extLst>
+      <p:ext uri="{BB962C8B-B14F-4D97-AF65-F5344CB8AC3E}">
+        <p14:creationId xmlns:p14="http://schemas.microsoft.com/office/powerpoint/2010/main" val="3112593574"/>
+      </p:ext>
+    </p:extLst>
+  </p:cSld>
+  <p:clrMapOvr>
+    <a:masterClrMapping/>
+  </p:clrMapOvr>
+</p:sld>
+</file>
+
+<file path=ppt/slides/slide8.xml><?xml version="1.0" encoding="utf-8"?>
+<p:sld xmlns:a="http://schemas.openxmlformats.org/drawingml/2006/main" xmlns:r="http://schemas.openxmlformats.org/officeDocument/2006/relationships" xmlns:p="http://schemas.openxmlformats.org/presentationml/2006/main">
+  <p:cSld>
+    <p:bg>
+      <p:bgPr>
+        <a:solidFill>
+          <a:schemeClr val="tx1"/>
+        </a:solidFill>
+        <a:effectLst/>
+      </p:bgPr>
+    </p:bg>
+    <p:spTree>
+      <p:nvGrpSpPr>
+        <p:cNvPr id="1" name=""/>
+        <p:cNvGrpSpPr/>
+        <p:nvPr/>
+      </p:nvGrpSpPr>
+      <p:grpSpPr>
+        <a:xfrm>
+          <a:off x="0" y="0"/>
+          <a:ext cx="0" cy="0"/>
+          <a:chOff x="0" y="0"/>
+          <a:chExt cx="0" cy="0"/>
+        </a:xfrm>
+      </p:grpSpPr>
+      <p:pic>
+        <p:nvPicPr>
+          <p:cNvPr id="2" name="Picture 1">
+            <a:extLst>
+              <a:ext uri="{FF2B5EF4-FFF2-40B4-BE49-F238E27FC236}">
+                <a16:creationId xmlns:a16="http://schemas.microsoft.com/office/drawing/2014/main" id="{562482BD-58D4-9543-BE26-5EB930F8E379}"/>
+              </a:ext>
+            </a:extLst>
+          </p:cNvPr>
+          <p:cNvPicPr>
+            <a:picLocks noChangeAspect="1"/>
+          </p:cNvPicPr>
+          <p:nvPr/>
+        </p:nvPicPr>
+        <p:blipFill>
+          <a:blip r:embed="rId2"/>
+          <a:stretch>
+            <a:fillRect/>
+          </a:stretch>
+        </p:blipFill>
+        <p:spPr>
+          <a:xfrm>
+            <a:off x="1244525" y="0"/>
+            <a:ext cx="9944099" cy="6858000"/>
+          </a:xfrm>
+          <a:prstGeom prst="rect">
+            <a:avLst/>
+          </a:prstGeom>
+        </p:spPr>
+      </p:pic>
+    </p:spTree>
+    <p:extLst>
+      <p:ext uri="{BB962C8B-B14F-4D97-AF65-F5344CB8AC3E}">
+        <p14:creationId xmlns:p14="http://schemas.microsoft.com/office/powerpoint/2010/main" val="2019257852"/>
+      </p:ext>
+    </p:extLst>
+  </p:cSld>
+  <p:clrMapOvr>
+    <a:masterClrMapping/>
+  </p:clrMapOvr>
+</p:sld>
+</file>
+
+<file path=ppt/slides/slide9.xml><?xml version="1.0" encoding="utf-8"?>
+<p:sld xmlns:a="http://schemas.openxmlformats.org/drawingml/2006/main" xmlns:r="http://schemas.openxmlformats.org/officeDocument/2006/relationships" xmlns:p="http://schemas.openxmlformats.org/presentationml/2006/main">
+  <p:cSld>
+    <p:spTree>
+      <p:nvGrpSpPr>
+        <p:cNvPr id="1" name=""/>
+        <p:cNvGrpSpPr/>
+        <p:nvPr/>
+      </p:nvGrpSpPr>
+      <p:grpSpPr>
+        <a:xfrm>
+          <a:off x="0" y="0"/>
+          <a:ext cx="0" cy="0"/>
+          <a:chOff x="0" y="0"/>
+          <a:chExt cx="0" cy="0"/>
+        </a:xfrm>
+      </p:grpSpPr>
+      <p:sp>
+        <p:nvSpPr>
+          <p:cNvPr id="3" name="TextBox 2">
+            <a:extLst>
+              <a:ext uri="{FF2B5EF4-FFF2-40B4-BE49-F238E27FC236}">
+                <a16:creationId xmlns:a16="http://schemas.microsoft.com/office/drawing/2014/main" id="{049B8419-CEBD-4A47-A333-A3B34E096638}"/>
+              </a:ext>
+            </a:extLst>
+          </p:cNvPr>
+          <p:cNvSpPr txBox="1"/>
+          <p:nvPr/>
+        </p:nvSpPr>
+        <p:spPr>
+          <a:xfrm>
+            <a:off x="1739154" y="3720353"/>
+            <a:ext cx="8884023" cy="558294"/>
+          </a:xfrm>
+          <a:prstGeom prst="rect">
+            <a:avLst/>
+          </a:prstGeom>
+          <a:noFill/>
+        </p:spPr>
+        <p:txBody>
+          <a:bodyPr wrap="square" rtlCol="0">
+            <a:spAutoFit/>
+          </a:bodyPr>
+          <a:lstStyle/>
+          <a:p>
+            <a:pPr algn="ctr">
+              <a:lnSpc>
+                <a:spcPct val="200000"/>
+              </a:lnSpc>
+            </a:pPr>
+            <a:r>
+              <a:rPr lang="fi-FI" dirty="0">
+                <a:latin typeface="Arial Rounded MT Bold" panose="020F0704030504030204" pitchFamily="34" charset="77"/>
+              </a:rPr>
+              <a:t>A </a:t>
+            </a:r>
+            <a:r>
+              <a:rPr lang="fi-FI" dirty="0" err="1">
+                <a:latin typeface="Arial Rounded MT Bold" panose="020F0704030504030204" pitchFamily="34" charset="77"/>
+              </a:rPr>
+              <a:t>database</a:t>
+            </a:r>
+            <a:r>
+              <a:rPr lang="fi-FI" dirty="0">
+                <a:latin typeface="Arial Rounded MT Bold" panose="020F0704030504030204" pitchFamily="34" charset="77"/>
+              </a:rPr>
+              <a:t> </a:t>
+            </a:r>
+            <a:r>
+              <a:rPr lang="fi-FI" dirty="0" err="1">
+                <a:latin typeface="Arial Rounded MT Bold" panose="020F0704030504030204" pitchFamily="34" charset="77"/>
+              </a:rPr>
+              <a:t>server</a:t>
+            </a:r>
+            <a:r>
+              <a:rPr lang="fi-FI" dirty="0">
+                <a:latin typeface="Arial Rounded MT Bold" panose="020F0704030504030204" pitchFamily="34" charset="77"/>
+              </a:rPr>
+              <a:t> </a:t>
+            </a:r>
+            <a:r>
+              <a:rPr lang="fi-FI" dirty="0" err="1">
+                <a:latin typeface="Arial Rounded MT Bold" panose="020F0704030504030204" pitchFamily="34" charset="77"/>
+              </a:rPr>
+              <a:t>product</a:t>
+            </a:r>
+            <a:r>
+              <a:rPr lang="fi-FI" dirty="0">
+                <a:latin typeface="Arial Rounded MT Bold" panose="020F0704030504030204" pitchFamily="34" charset="77"/>
+              </a:rPr>
+              <a:t> </a:t>
+            </a:r>
+            <a:r>
+              <a:rPr lang="fi-FI" dirty="0" err="1">
+                <a:latin typeface="Arial Rounded MT Bold" panose="020F0704030504030204" pitchFamily="34" charset="77"/>
+              </a:rPr>
+              <a:t>by</a:t>
+            </a:r>
+            <a:r>
+              <a:rPr lang="fi-FI" dirty="0">
+                <a:latin typeface="Arial Rounded MT Bold" panose="020F0704030504030204" pitchFamily="34" charset="77"/>
+              </a:rPr>
+              <a:t> </a:t>
+            </a:r>
+            <a:r>
+              <a:rPr lang="fi-FI" dirty="0" err="1">
+                <a:latin typeface="Arial Rounded MT Bold" panose="020F0704030504030204" pitchFamily="34" charset="77"/>
+              </a:rPr>
+              <a:t>Cognitect</a:t>
+            </a:r>
+            <a:endParaRPr lang="fi-FI" dirty="0">
+              <a:latin typeface="Arial Rounded MT Bold" panose="020F0704030504030204" pitchFamily="34" charset="77"/>
+            </a:endParaRPr>
+          </a:p>
+        </p:txBody>
+      </p:sp>
+      <p:sp>
+        <p:nvSpPr>
+          <p:cNvPr id="4" name="TextBox 3">
+            <a:extLst>
+              <a:ext uri="{FF2B5EF4-FFF2-40B4-BE49-F238E27FC236}">
+                <a16:creationId xmlns:a16="http://schemas.microsoft.com/office/drawing/2014/main" id="{C531EDF7-6ED3-E14E-BDA5-B07BD754DF3C}"/>
+              </a:ext>
+            </a:extLst>
+          </p:cNvPr>
+          <p:cNvSpPr txBox="1"/>
+          <p:nvPr/>
+        </p:nvSpPr>
+        <p:spPr>
+          <a:xfrm>
+            <a:off x="1739154" y="717177"/>
+            <a:ext cx="8884023" cy="646331"/>
+          </a:xfrm>
+          <a:prstGeom prst="rect">
+            <a:avLst/>
+          </a:prstGeom>
+          <a:noFill/>
+        </p:spPr>
+        <p:txBody>
+          <a:bodyPr wrap="square" rtlCol="0">
+            <a:spAutoFit/>
+          </a:bodyPr>
+          <a:lstStyle/>
+          <a:p>
+            <a:pPr algn="ctr"/>
+            <a:r>
+              <a:rPr lang="fi-FI" sz="3600" b="1" dirty="0" err="1"/>
+              <a:t>Datomic</a:t>
+            </a:r>
+            <a:endParaRPr lang="fi-FI" sz="3600" dirty="0"/>
+          </a:p>
+        </p:txBody>
+      </p:sp>
+      <p:pic>
+        <p:nvPicPr>
+          <p:cNvPr id="2" name="Picture 1">
+            <a:extLst>
+              <a:ext uri="{FF2B5EF4-FFF2-40B4-BE49-F238E27FC236}">
+                <a16:creationId xmlns:a16="http://schemas.microsoft.com/office/drawing/2014/main" id="{11BEF78B-84FF-614B-8252-610A2906B1FE}"/>
+              </a:ext>
+            </a:extLst>
+          </p:cNvPr>
+          <p:cNvPicPr>
+            <a:picLocks noChangeAspect="1"/>
+          </p:cNvPicPr>
+          <p:nvPr/>
+        </p:nvPicPr>
+        <p:blipFill>
+          <a:blip r:embed="rId2"/>
+          <a:stretch>
+            <a:fillRect/>
+          </a:stretch>
+        </p:blipFill>
+        <p:spPr>
+          <a:xfrm>
+            <a:off x="5075518" y="1514724"/>
+            <a:ext cx="2032000" cy="1651000"/>
+          </a:xfrm>
+          <a:prstGeom prst="rect">
+            <a:avLst/>
+          </a:prstGeom>
+        </p:spPr>
+      </p:pic>
+      <p:sp>
+        <p:nvSpPr>
+          <p:cNvPr id="5" name="TextBox 4">
+            <a:extLst>
+              <a:ext uri="{FF2B5EF4-FFF2-40B4-BE49-F238E27FC236}">
+                <a16:creationId xmlns:a16="http://schemas.microsoft.com/office/drawing/2014/main" id="{329FED9B-269C-AD48-8F2D-B3740E154521}"/>
+              </a:ext>
+            </a:extLst>
+          </p:cNvPr>
+          <p:cNvSpPr txBox="1"/>
+          <p:nvPr/>
+        </p:nvSpPr>
+        <p:spPr>
+          <a:xfrm>
+            <a:off x="1739153" y="4410693"/>
+            <a:ext cx="8884023" cy="1112292"/>
+          </a:xfrm>
+          <a:prstGeom prst="rect">
+            <a:avLst/>
+          </a:prstGeom>
+          <a:noFill/>
+        </p:spPr>
+        <p:txBody>
+          <a:bodyPr wrap="square" rtlCol="0">
+            <a:spAutoFit/>
+          </a:bodyPr>
+          <a:lstStyle/>
+          <a:p>
+            <a:pPr algn="ctr">
+              <a:lnSpc>
+                <a:spcPct val="200000"/>
+              </a:lnSpc>
+            </a:pPr>
+            <a:r>
+              <a:rPr lang="fi-FI" dirty="0" err="1">
+                <a:latin typeface="Arial Rounded MT Bold" panose="020F0704030504030204" pitchFamily="34" charset="77"/>
+              </a:rPr>
+              <a:t>Released</a:t>
+            </a:r>
+            <a:r>
+              <a:rPr lang="fi-FI" dirty="0">
+                <a:latin typeface="Arial Rounded MT Bold" panose="020F0704030504030204" pitchFamily="34" charset="77"/>
+              </a:rPr>
+              <a:t> 2012</a:t>
+            </a:r>
+          </a:p>
+          <a:p>
+            <a:pPr algn="ctr">
+              <a:lnSpc>
+                <a:spcPct val="200000"/>
+              </a:lnSpc>
+            </a:pPr>
+            <a:endParaRPr lang="fi-FI" dirty="0">
+              <a:latin typeface="Arial Rounded MT Bold" panose="020F0704030504030204" pitchFamily="34" charset="77"/>
+            </a:endParaRPr>
+          </a:p>
+        </p:txBody>
+      </p:sp>
+    </p:spTree>
+    <p:extLst>
+      <p:ext uri="{BB962C8B-B14F-4D97-AF65-F5344CB8AC3E}">
+        <p14:creationId xmlns:p14="http://schemas.microsoft.com/office/powerpoint/2010/main" val="743024307"/>
+      </p:ext>
+    </p:extLst>
+  </p:cSld>
+  <p:clrMapOvr>
+    <a:masterClrMapping/>
+  </p:clrMapOvr>
 </p:sld>
 </file>
 
@@ -4050,9 +6590,9 @@
         <a:latin typeface="Calibri Light" panose="020F0302020204030204"/>
         <a:ea typeface=""/>
         <a:cs typeface=""/>
-        <a:font script="Jpan" typeface="Yu Gothic Light"/>
+        <a:font script="Jpan" typeface="游ゴシック Light"/>
         <a:font script="Hang" typeface="맑은 고딕"/>
-        <a:font script="Hans" typeface="DengXian Light"/>
+        <a:font script="Hans" typeface="等线 Light"/>
         <a:font script="Hant" typeface="新細明體"/>
         <a:font script="Arab" typeface="Times New Roman"/>
         <a:font script="Hebr" typeface="Times New Roman"/>
@@ -4080,14 +6620,31 @@
         <a:font script="Viet" typeface="Times New Roman"/>
         <a:font script="Uigh" typeface="Microsoft Uighur"/>
         <a:font script="Geor" typeface="Sylfaen"/>
+        <a:font script="Armn" typeface="Arial"/>
+        <a:font script="Bugi" typeface="Leelawadee UI"/>
+        <a:font script="Bopo" typeface="Microsoft JhengHei"/>
+        <a:font script="Java" typeface="Javanese Text"/>
+        <a:font script="Lisu" typeface="Segoe UI"/>
+        <a:font script="Mymr" typeface="Myanmar Text"/>
+        <a:font script="Nkoo" typeface="Ebrima"/>
+        <a:font script="Olck" typeface="Nirmala UI"/>
+        <a:font script="Osma" typeface="Ebrima"/>
+        <a:font script="Phag" typeface="Phagspa"/>
+        <a:font script="Syrn" typeface="Estrangelo Edessa"/>
+        <a:font script="Syrj" typeface="Estrangelo Edessa"/>
+        <a:font script="Syre" typeface="Estrangelo Edessa"/>
+        <a:font script="Sora" typeface="Nirmala UI"/>
+        <a:font script="Tale" typeface="Microsoft Tai Le"/>
+        <a:font script="Talu" typeface="Microsoft New Tai Lue"/>
+        <a:font script="Tfng" typeface="Ebrima"/>
       </a:majorFont>
       <a:minorFont>
         <a:latin typeface="Calibri" panose="020F0502020204030204"/>
         <a:ea typeface=""/>
         <a:cs typeface=""/>
-        <a:font script="Jpan" typeface="Yu Gothic"/>
+        <a:font script="Jpan" typeface="游ゴシック"/>
         <a:font script="Hang" typeface="맑은 고딕"/>
-        <a:font script="Hans" typeface="DengXian"/>
+        <a:font script="Hans" typeface="等线"/>
         <a:font script="Hant" typeface="新細明體"/>
         <a:font script="Arab" typeface="Arial"/>
         <a:font script="Hebr" typeface="Arial"/>
@@ -4115,6 +6672,23 @@
         <a:font script="Viet" typeface="Arial"/>
         <a:font script="Uigh" typeface="Microsoft Uighur"/>
         <a:font script="Geor" typeface="Sylfaen"/>
+        <a:font script="Armn" typeface="Arial"/>
+        <a:font script="Bugi" typeface="Leelawadee UI"/>
+        <a:font script="Bopo" typeface="Microsoft JhengHei"/>
+        <a:font script="Java" typeface="Javanese Text"/>
+        <a:font script="Lisu" typeface="Segoe UI"/>
+        <a:font script="Mymr" typeface="Myanmar Text"/>
+        <a:font script="Nkoo" typeface="Ebrima"/>
+        <a:font script="Olck" typeface="Nirmala UI"/>
+        <a:font script="Osma" typeface="Ebrima"/>
+        <a:font script="Phag" typeface="Phagspa"/>
+        <a:font script="Syrn" typeface="Estrangelo Edessa"/>
+        <a:font script="Syrj" typeface="Estrangelo Edessa"/>
+        <a:font script="Syre" typeface="Estrangelo Edessa"/>
+        <a:font script="Sora" typeface="Nirmala UI"/>
+        <a:font script="Tale" typeface="Microsoft Tai Le"/>
+        <a:font script="Talu" typeface="Microsoft New Tai Lue"/>
+        <a:font script="Tfng" typeface="Ebrima"/>
       </a:minorFont>
     </a:fontScheme>
     <a:fmtScheme name="Office">
